--- a/tutorial/T04/tut04.pptx
+++ b/tutorial/T04/tut04.pptx
@@ -9,16 +9,17 @@
     <p:sldId id="257" r:id="rId3"/>
     <p:sldId id="258" r:id="rId4"/>
     <p:sldId id="260" r:id="rId5"/>
-    <p:sldId id="274" r:id="rId6"/>
-    <p:sldId id="275" r:id="rId7"/>
-    <p:sldId id="276" r:id="rId8"/>
-    <p:sldId id="277" r:id="rId9"/>
-    <p:sldId id="278" r:id="rId10"/>
-    <p:sldId id="279" r:id="rId11"/>
-    <p:sldId id="280" r:id="rId12"/>
-    <p:sldId id="270" r:id="rId13"/>
-    <p:sldId id="271" r:id="rId14"/>
-    <p:sldId id="272" r:id="rId15"/>
+    <p:sldId id="281" r:id="rId6"/>
+    <p:sldId id="274" r:id="rId7"/>
+    <p:sldId id="275" r:id="rId8"/>
+    <p:sldId id="276" r:id="rId9"/>
+    <p:sldId id="277" r:id="rId10"/>
+    <p:sldId id="278" r:id="rId11"/>
+    <p:sldId id="279" r:id="rId12"/>
+    <p:sldId id="280" r:id="rId13"/>
+    <p:sldId id="270" r:id="rId14"/>
+    <p:sldId id="271" r:id="rId15"/>
+    <p:sldId id="272" r:id="rId16"/>
   </p:sldIdLst>
   <p:sldSz cx="12192000" cy="6858000"/>
   <p:notesSz cx="6858000" cy="9144000"/>
@@ -947,7 +948,7 @@
           <a:p>
             <a:fld id="{2425905D-C0C4-D040-B3F5-79CCA23FA4EB}" type="datetimeFigureOut">
               <a:rPr lang="en-US" smtClean="0"/>
-              <a:t>2/8/22</a:t>
+              <a:t>2/9/22</a:t>
             </a:fld>
             <a:endParaRPr lang="en-US"/>
           </a:p>
@@ -1147,7 +1148,7 @@
           <a:p>
             <a:fld id="{2425905D-C0C4-D040-B3F5-79CCA23FA4EB}" type="datetimeFigureOut">
               <a:rPr lang="en-US" smtClean="0"/>
-              <a:t>2/8/22</a:t>
+              <a:t>2/9/22</a:t>
             </a:fld>
             <a:endParaRPr lang="en-US"/>
           </a:p>
@@ -1357,7 +1358,7 @@
           <a:p>
             <a:fld id="{2425905D-C0C4-D040-B3F5-79CCA23FA4EB}" type="datetimeFigureOut">
               <a:rPr lang="en-US" smtClean="0"/>
-              <a:t>2/8/22</a:t>
+              <a:t>2/9/22</a:t>
             </a:fld>
             <a:endParaRPr lang="en-US"/>
           </a:p>
@@ -1557,7 +1558,7 @@
           <a:p>
             <a:fld id="{2425905D-C0C4-D040-B3F5-79CCA23FA4EB}" type="datetimeFigureOut">
               <a:rPr lang="en-US" smtClean="0"/>
-              <a:t>2/8/22</a:t>
+              <a:t>2/9/22</a:t>
             </a:fld>
             <a:endParaRPr lang="en-US"/>
           </a:p>
@@ -1833,7 +1834,7 @@
           <a:p>
             <a:fld id="{2425905D-C0C4-D040-B3F5-79CCA23FA4EB}" type="datetimeFigureOut">
               <a:rPr lang="en-US" smtClean="0"/>
-              <a:t>2/8/22</a:t>
+              <a:t>2/9/22</a:t>
             </a:fld>
             <a:endParaRPr lang="en-US"/>
           </a:p>
@@ -2101,7 +2102,7 @@
           <a:p>
             <a:fld id="{2425905D-C0C4-D040-B3F5-79CCA23FA4EB}" type="datetimeFigureOut">
               <a:rPr lang="en-US" smtClean="0"/>
-              <a:t>2/8/22</a:t>
+              <a:t>2/9/22</a:t>
             </a:fld>
             <a:endParaRPr lang="en-US"/>
           </a:p>
@@ -2516,7 +2517,7 @@
           <a:p>
             <a:fld id="{2425905D-C0C4-D040-B3F5-79CCA23FA4EB}" type="datetimeFigureOut">
               <a:rPr lang="en-US" smtClean="0"/>
-              <a:t>2/8/22</a:t>
+              <a:t>2/9/22</a:t>
             </a:fld>
             <a:endParaRPr lang="en-US"/>
           </a:p>
@@ -2658,7 +2659,7 @@
           <a:p>
             <a:fld id="{2425905D-C0C4-D040-B3F5-79CCA23FA4EB}" type="datetimeFigureOut">
               <a:rPr lang="en-US" smtClean="0"/>
-              <a:t>2/8/22</a:t>
+              <a:t>2/9/22</a:t>
             </a:fld>
             <a:endParaRPr lang="en-US"/>
           </a:p>
@@ -2771,7 +2772,7 @@
           <a:p>
             <a:fld id="{2425905D-C0C4-D040-B3F5-79CCA23FA4EB}" type="datetimeFigureOut">
               <a:rPr lang="en-US" smtClean="0"/>
-              <a:t>2/8/22</a:t>
+              <a:t>2/9/22</a:t>
             </a:fld>
             <a:endParaRPr lang="en-US"/>
           </a:p>
@@ -3084,7 +3085,7 @@
           <a:p>
             <a:fld id="{2425905D-C0C4-D040-B3F5-79CCA23FA4EB}" type="datetimeFigureOut">
               <a:rPr lang="en-US" smtClean="0"/>
-              <a:t>2/8/22</a:t>
+              <a:t>2/9/22</a:t>
             </a:fld>
             <a:endParaRPr lang="en-US"/>
           </a:p>
@@ -3373,7 +3374,7 @@
           <a:p>
             <a:fld id="{2425905D-C0C4-D040-B3F5-79CCA23FA4EB}" type="datetimeFigureOut">
               <a:rPr lang="en-US" smtClean="0"/>
-              <a:t>2/8/22</a:t>
+              <a:t>2/9/22</a:t>
             </a:fld>
             <a:endParaRPr lang="en-US"/>
           </a:p>
@@ -3616,7 +3617,7 @@
           <a:p>
             <a:fld id="{2425905D-C0C4-D040-B3F5-79CCA23FA4EB}" type="datetimeFigureOut">
               <a:rPr lang="en-US" smtClean="0"/>
-              <a:t>2/8/22</a:t>
+              <a:t>2/9/22</a:t>
             </a:fld>
             <a:endParaRPr lang="en-US"/>
           </a:p>
@@ -4260,7 +4261,7 @@
         <p:spPr>
           <a:xfrm>
             <a:off x="923537" y="1465590"/>
-            <a:ext cx="9809160" cy="523220"/>
+            <a:ext cx="2829557" cy="523220"/>
           </a:xfrm>
           <a:prstGeom prst="rect">
             <a:avLst/>
@@ -4382,7 +4383,7 @@
               <a:rPr lang="en-US" altLang="zh-CN" sz="2800" b="1" dirty="0">
                 <a:latin typeface="Calibri" panose="020F0502020204030204" pitchFamily="34" charset="0"/>
               </a:rPr>
-              <a:t>3:</a:t>
+              <a:t>2:</a:t>
             </a:r>
             <a:r>
               <a:rPr lang="zh-CN" altLang="en-US" sz="2800" b="1" dirty="0">
@@ -4394,7 +4395,7 @@
               <a:rPr lang="en-US" altLang="zh-CN" sz="2800" b="1" dirty="0">
                 <a:latin typeface="Calibri" panose="020F0502020204030204" pitchFamily="34" charset="0"/>
               </a:rPr>
-              <a:t>check</a:t>
+              <a:t>call</a:t>
             </a:r>
             <a:r>
               <a:rPr lang="zh-CN" altLang="en-US" sz="2800" b="1" dirty="0">
@@ -4406,91 +4407,7 @@
               <a:rPr lang="en-US" altLang="zh-CN" sz="2800" b="1" dirty="0">
                 <a:latin typeface="Calibri" panose="020F0502020204030204" pitchFamily="34" charset="0"/>
               </a:rPr>
-              <a:t>socket</a:t>
-            </a:r>
-            <a:r>
-              <a:rPr lang="zh-CN" altLang="en-US" sz="2800" b="1" dirty="0">
-                <a:latin typeface="Calibri" panose="020F0502020204030204" pitchFamily="34" charset="0"/>
-              </a:rPr>
-              <a:t> </a:t>
-            </a:r>
-            <a:r>
-              <a:rPr lang="en-US" altLang="zh-CN" sz="2800" b="1" dirty="0">
-                <a:latin typeface="Calibri" panose="020F0502020204030204" pitchFamily="34" charset="0"/>
-              </a:rPr>
-              <a:t>status</a:t>
-            </a:r>
-            <a:r>
-              <a:rPr lang="zh-CN" altLang="en-US" sz="2800" b="1" dirty="0">
-                <a:latin typeface="Calibri" panose="020F0502020204030204" pitchFamily="34" charset="0"/>
-              </a:rPr>
-              <a:t> </a:t>
-            </a:r>
-            <a:r>
-              <a:rPr lang="en-US" altLang="zh-CN" sz="2800" b="1" dirty="0">
-                <a:latin typeface="Calibri" panose="020F0502020204030204" pitchFamily="34" charset="0"/>
-              </a:rPr>
-              <a:t>(for</a:t>
-            </a:r>
-            <a:r>
-              <a:rPr lang="zh-CN" altLang="en-US" sz="2800" b="1" dirty="0">
-                <a:latin typeface="Calibri" panose="020F0502020204030204" pitchFamily="34" charset="0"/>
-              </a:rPr>
-              <a:t> </a:t>
-            </a:r>
-            <a:r>
-              <a:rPr lang="en-US" altLang="zh-CN" sz="2800" b="1" dirty="0">
-                <a:latin typeface="Calibri" panose="020F0502020204030204" pitchFamily="34" charset="0"/>
-              </a:rPr>
-              <a:t>master</a:t>
-            </a:r>
-            <a:r>
-              <a:rPr lang="zh-CN" altLang="en-US" sz="2800" b="1" dirty="0">
-                <a:latin typeface="Calibri" panose="020F0502020204030204" pitchFamily="34" charset="0"/>
-              </a:rPr>
-              <a:t> </a:t>
-            </a:r>
-            <a:r>
-              <a:rPr lang="en-US" altLang="zh-CN" sz="2800" b="1" dirty="0">
-                <a:latin typeface="Calibri" panose="020F0502020204030204" pitchFamily="34" charset="0"/>
-              </a:rPr>
-              <a:t>socket)</a:t>
-            </a:r>
-            <a:r>
-              <a:rPr lang="zh-CN" altLang="en-US" sz="2800" b="1" dirty="0">
-                <a:latin typeface="Calibri" panose="020F0502020204030204" pitchFamily="34" charset="0"/>
-              </a:rPr>
-              <a:t> </a:t>
-            </a:r>
-            <a:r>
-              <a:rPr lang="en-US" altLang="zh-CN" sz="2800" b="1" dirty="0">
-                <a:latin typeface="Calibri" panose="020F0502020204030204" pitchFamily="34" charset="0"/>
-              </a:rPr>
-              <a:t>and</a:t>
-            </a:r>
-            <a:r>
-              <a:rPr lang="zh-CN" altLang="en-US" sz="2800" b="1" dirty="0">
-                <a:latin typeface="Calibri" panose="020F0502020204030204" pitchFamily="34" charset="0"/>
-              </a:rPr>
-              <a:t> </a:t>
-            </a:r>
-            <a:r>
-              <a:rPr lang="en-US" altLang="zh-CN" sz="2800" b="1" dirty="0">
-                <a:latin typeface="Calibri" panose="020F0502020204030204" pitchFamily="34" charset="0"/>
-              </a:rPr>
-              <a:t>do</a:t>
-            </a:r>
-            <a:r>
-              <a:rPr lang="zh-CN" altLang="en-US" sz="2800" b="1" dirty="0">
-                <a:latin typeface="Calibri" panose="020F0502020204030204" pitchFamily="34" charset="0"/>
-              </a:rPr>
-              <a:t> </a:t>
-            </a:r>
-            <a:r>
-              <a:rPr lang="en-US" altLang="zh-CN" sz="2800" b="1" dirty="0">
-                <a:latin typeface="Calibri" panose="020F0502020204030204" pitchFamily="34" charset="0"/>
-              </a:rPr>
-              <a:t>something</a:t>
+              <a:t>select</a:t>
             </a:r>
             <a:endParaRPr lang="en-US" altLang="zh-CN" sz="2800" dirty="0">
               <a:effectLst/>
@@ -4500,10 +4417,10 @@
       </p:sp>
       <p:pic>
         <p:nvPicPr>
-          <p:cNvPr id="5" name="图片 4">
-            <a:extLst>
-              <a:ext uri="{FF2B5EF4-FFF2-40B4-BE49-F238E27FC236}">
-                <a16:creationId xmlns:a16="http://schemas.microsoft.com/office/drawing/2014/main" id="{BB5A6165-3079-C843-99F1-388D235A9EB0}"/>
+          <p:cNvPr id="4" name="图片 3">
+            <a:extLst>
+              <a:ext uri="{FF2B5EF4-FFF2-40B4-BE49-F238E27FC236}">
+                <a16:creationId xmlns:a16="http://schemas.microsoft.com/office/drawing/2014/main" id="{7E62CADC-A63C-A24A-BB31-52FB3D6E4856}"/>
               </a:ext>
             </a:extLst>
           </p:cNvPr>
@@ -4520,8 +4437,8 @@
         </p:blipFill>
         <p:spPr>
           <a:xfrm>
-            <a:off x="2077045" y="1879600"/>
-            <a:ext cx="7732579" cy="4800600"/>
+            <a:off x="78600" y="1988810"/>
+            <a:ext cx="12034796" cy="3895152"/>
           </a:xfrm>
           <a:prstGeom prst="rect">
             <a:avLst/>
@@ -4531,7 +4448,7 @@
     </p:spTree>
     <p:extLst>
       <p:ext uri="{BB962C8B-B14F-4D97-AF65-F5344CB8AC3E}">
-        <p14:creationId xmlns:p14="http://schemas.microsoft.com/office/powerpoint/2010/main" val="2486515276"/>
+        <p14:creationId xmlns:p14="http://schemas.microsoft.com/office/powerpoint/2010/main" val="988368226"/>
       </p:ext>
     </p:extLst>
   </p:cSld>
@@ -4623,7 +4540,7 @@
         <p:spPr>
           <a:xfrm>
             <a:off x="923537" y="1465590"/>
-            <a:ext cx="9593011" cy="523220"/>
+            <a:ext cx="10376110" cy="523220"/>
           </a:xfrm>
           <a:prstGeom prst="rect">
             <a:avLst/>
@@ -4731,70 +4648,12 @@
           <a:p>
             <a:r>
               <a:rPr lang="en-US" altLang="zh-CN" sz="2800" b="1" dirty="0">
-                <a:effectLst/>
                 <a:latin typeface="Calibri" panose="020F0502020204030204" pitchFamily="34" charset="0"/>
               </a:rPr>
               <a:t>Step</a:t>
             </a:r>
             <a:r>
               <a:rPr lang="zh-CN" altLang="en-US" sz="2800" b="1" dirty="0">
-                <a:effectLst/>
-                <a:latin typeface="Calibri" panose="020F0502020204030204" pitchFamily="34" charset="0"/>
-              </a:rPr>
-              <a:t> </a:t>
-            </a:r>
-            <a:r>
-              <a:rPr lang="en-US" altLang="zh-CN" sz="2800" b="1" dirty="0">
-                <a:effectLst/>
-                <a:latin typeface="Calibri" panose="020F0502020204030204" pitchFamily="34" charset="0"/>
-              </a:rPr>
-              <a:t>3:</a:t>
-            </a:r>
-            <a:r>
-              <a:rPr lang="zh-CN" altLang="en-US" sz="2800" b="1" dirty="0">
-                <a:effectLst/>
-                <a:latin typeface="Calibri" panose="020F0502020204030204" pitchFamily="34" charset="0"/>
-              </a:rPr>
-              <a:t> </a:t>
-            </a:r>
-            <a:r>
-              <a:rPr lang="en-US" altLang="zh-CN" sz="2800" b="1" dirty="0">
-                <a:effectLst/>
-                <a:latin typeface="Calibri" panose="020F0502020204030204" pitchFamily="34" charset="0"/>
-              </a:rPr>
-              <a:t>check</a:t>
-            </a:r>
-            <a:r>
-              <a:rPr lang="zh-CN" altLang="en-US" sz="2800" b="1" dirty="0">
-                <a:effectLst/>
-                <a:latin typeface="Calibri" panose="020F0502020204030204" pitchFamily="34" charset="0"/>
-              </a:rPr>
-              <a:t> </a:t>
-            </a:r>
-            <a:r>
-              <a:rPr lang="en-US" altLang="zh-CN" sz="2800" b="1" dirty="0">
-                <a:effectLst/>
-                <a:latin typeface="Calibri" panose="020F0502020204030204" pitchFamily="34" charset="0"/>
-              </a:rPr>
-              <a:t>socket</a:t>
-            </a:r>
-            <a:r>
-              <a:rPr lang="zh-CN" altLang="en-US" sz="2800" b="1" dirty="0">
-                <a:effectLst/>
-                <a:latin typeface="Calibri" panose="020F0502020204030204" pitchFamily="34" charset="0"/>
-              </a:rPr>
-              <a:t> </a:t>
-            </a:r>
-            <a:r>
-              <a:rPr lang="en-US" altLang="zh-CN" sz="2800" b="1" dirty="0">
-                <a:effectLst/>
-                <a:latin typeface="Calibri" panose="020F0502020204030204" pitchFamily="34" charset="0"/>
-              </a:rPr>
-              <a:t>status</a:t>
-            </a:r>
-            <a:r>
-              <a:rPr lang="zh-CN" altLang="en-US" sz="2800" b="1" dirty="0">
-                <a:effectLst/>
                 <a:latin typeface="Calibri" panose="020F0502020204030204" pitchFamily="34" charset="0"/>
               </a:rPr>
               <a:t> </a:t>
@@ -4803,7 +4662,7 @@
               <a:rPr lang="en-US" altLang="zh-CN" sz="2800" b="1" dirty="0">
                 <a:latin typeface="Calibri" panose="020F0502020204030204" pitchFamily="34" charset="0"/>
               </a:rPr>
-              <a:t>(for</a:t>
+              <a:t>3:</a:t>
             </a:r>
             <a:r>
               <a:rPr lang="zh-CN" altLang="en-US" sz="2800" b="1" dirty="0">
@@ -4815,7 +4674,7 @@
               <a:rPr lang="en-US" altLang="zh-CN" sz="2800" b="1" dirty="0">
                 <a:latin typeface="Calibri" panose="020F0502020204030204" pitchFamily="34" charset="0"/>
               </a:rPr>
-              <a:t>client</a:t>
+              <a:t>check</a:t>
             </a:r>
             <a:r>
               <a:rPr lang="zh-CN" altLang="en-US" sz="2800" b="1" dirty="0">
@@ -4827,7 +4686,7 @@
               <a:rPr lang="en-US" altLang="zh-CN" sz="2800" b="1" dirty="0">
                 <a:latin typeface="Calibri" panose="020F0502020204030204" pitchFamily="34" charset="0"/>
               </a:rPr>
-              <a:t>socket)</a:t>
+              <a:t>socket</a:t>
             </a:r>
             <a:r>
               <a:rPr lang="zh-CN" altLang="en-US" sz="2800" b="1" dirty="0">
@@ -4839,7 +4698,7 @@
               <a:rPr lang="en-US" altLang="zh-CN" sz="2800" b="1" dirty="0">
                 <a:latin typeface="Calibri" panose="020F0502020204030204" pitchFamily="34" charset="0"/>
               </a:rPr>
-              <a:t>and</a:t>
+              <a:t>status</a:t>
             </a:r>
             <a:r>
               <a:rPr lang="zh-CN" altLang="en-US" sz="2800" b="1" dirty="0">
@@ -4851,7 +4710,7 @@
               <a:rPr lang="en-US" altLang="zh-CN" sz="2800" b="1" dirty="0">
                 <a:latin typeface="Calibri" panose="020F0502020204030204" pitchFamily="34" charset="0"/>
               </a:rPr>
-              <a:t>do</a:t>
+              <a:t>(for</a:t>
             </a:r>
             <a:r>
               <a:rPr lang="zh-CN" altLang="en-US" sz="2800" b="1" dirty="0">
@@ -4863,7 +4722,55 @@
               <a:rPr lang="en-US" altLang="zh-CN" sz="2800" b="1" dirty="0">
                 <a:latin typeface="Calibri" panose="020F0502020204030204" pitchFamily="34" charset="0"/>
               </a:rPr>
-              <a:t>something</a:t>
+              <a:t>server</a:t>
+            </a:r>
+            <a:r>
+              <a:rPr lang="zh-CN" altLang="en-US" sz="2800" b="1" dirty="0">
+                <a:latin typeface="Calibri" panose="020F0502020204030204" pitchFamily="34" charset="0"/>
+              </a:rPr>
+              <a:t> </a:t>
+            </a:r>
+            <a:r>
+              <a:rPr lang="en-US" altLang="zh-CN" sz="2800" b="1" dirty="0">
+                <a:latin typeface="Calibri" panose="020F0502020204030204" pitchFamily="34" charset="0"/>
+              </a:rPr>
+              <a:t>socket)</a:t>
+            </a:r>
+            <a:r>
+              <a:rPr lang="zh-CN" altLang="en-US" sz="2800" b="1" dirty="0">
+                <a:latin typeface="Calibri" panose="020F0502020204030204" pitchFamily="34" charset="0"/>
+              </a:rPr>
+              <a:t> </a:t>
+            </a:r>
+            <a:r>
+              <a:rPr lang="en-US" altLang="zh-CN" sz="2800" b="1" dirty="0">
+                <a:latin typeface="Calibri" panose="020F0502020204030204" pitchFamily="34" charset="0"/>
+              </a:rPr>
+              <a:t>and</a:t>
+            </a:r>
+            <a:r>
+              <a:rPr lang="zh-CN" altLang="en-US" sz="2800" b="1" dirty="0">
+                <a:latin typeface="Calibri" panose="020F0502020204030204" pitchFamily="34" charset="0"/>
+              </a:rPr>
+              <a:t> </a:t>
+            </a:r>
+            <a:r>
+              <a:rPr lang="en-US" altLang="zh-CN" sz="2800" b="1" dirty="0">
+                <a:latin typeface="Calibri" panose="020F0502020204030204" pitchFamily="34" charset="0"/>
+              </a:rPr>
+              <a:t>accept</a:t>
+            </a:r>
+            <a:r>
+              <a:rPr lang="zh-CN" altLang="en-US" sz="2800" b="1" dirty="0">
+                <a:latin typeface="Calibri" panose="020F0502020204030204" pitchFamily="34" charset="0"/>
+              </a:rPr>
+              <a:t> </a:t>
+            </a:r>
+            <a:r>
+              <a:rPr lang="en-US" altLang="zh-CN" sz="2800" b="1" dirty="0">
+                <a:latin typeface="Calibri" panose="020F0502020204030204" pitchFamily="34" charset="0"/>
+              </a:rPr>
+              <a:t>connection</a:t>
             </a:r>
             <a:endParaRPr lang="en-US" altLang="zh-CN" sz="2800" dirty="0">
               <a:effectLst/>
@@ -4873,10 +4780,10 @@
       </p:sp>
       <p:pic>
         <p:nvPicPr>
-          <p:cNvPr id="4" name="图片 3">
-            <a:extLst>
-              <a:ext uri="{FF2B5EF4-FFF2-40B4-BE49-F238E27FC236}">
-                <a16:creationId xmlns:a16="http://schemas.microsoft.com/office/drawing/2014/main" id="{27A8F3F8-3E6F-B04D-9261-0A9C4BEBC52F}"/>
+          <p:cNvPr id="5" name="图片 4">
+            <a:extLst>
+              <a:ext uri="{FF2B5EF4-FFF2-40B4-BE49-F238E27FC236}">
+                <a16:creationId xmlns:a16="http://schemas.microsoft.com/office/drawing/2014/main" id="{BB5A6165-3079-C843-99F1-388D235A9EB0}"/>
               </a:ext>
             </a:extLst>
           </p:cNvPr>
@@ -4893,8 +4800,8 @@
         </p:blipFill>
         <p:spPr>
           <a:xfrm>
-            <a:off x="2589995" y="1837038"/>
-            <a:ext cx="6287305" cy="4754261"/>
+            <a:off x="2313129" y="1879600"/>
+            <a:ext cx="7260411" cy="4800600"/>
           </a:xfrm>
           <a:prstGeom prst="rect">
             <a:avLst/>
@@ -4904,7 +4811,7 @@
     </p:spTree>
     <p:extLst>
       <p:ext uri="{BB962C8B-B14F-4D97-AF65-F5344CB8AC3E}">
-        <p14:creationId xmlns:p14="http://schemas.microsoft.com/office/powerpoint/2010/main" val="1838875602"/>
+        <p14:creationId xmlns:p14="http://schemas.microsoft.com/office/powerpoint/2010/main" val="2486515276"/>
       </p:ext>
     </p:extLst>
   </p:cSld>
@@ -4947,1563 +4854,6 @@
             <p:ph type="title"/>
           </p:nvPr>
         </p:nvSpPr>
-        <p:spPr/>
-        <p:txBody>
-          <a:bodyPr/>
-          <a:lstStyle/>
-          <a:p>
-            <a:r>
-              <a:rPr lang="en-US" altLang="zh-CN" b="1" dirty="0"/>
-              <a:t>Select</a:t>
-            </a:r>
-            <a:r>
-              <a:rPr lang="en-US" b="1" dirty="0"/>
-              <a:t> Programming: A Demo</a:t>
-            </a:r>
-          </a:p>
-        </p:txBody>
-      </p:sp>
-      <p:sp>
-        <p:nvSpPr>
-          <p:cNvPr id="3" name="Content Placeholder 2">
-            <a:extLst>
-              <a:ext uri="{FF2B5EF4-FFF2-40B4-BE49-F238E27FC236}">
-                <a16:creationId xmlns:a16="http://schemas.microsoft.com/office/drawing/2014/main" id="{8F20472D-613F-3748-9CBD-88055CDB4B08}"/>
-              </a:ext>
-            </a:extLst>
-          </p:cNvPr>
-          <p:cNvSpPr>
-            <a:spLocks noGrp="1"/>
-          </p:cNvSpPr>
-          <p:nvPr>
-            <p:ph idx="1"/>
-          </p:nvPr>
-        </p:nvSpPr>
-        <p:spPr>
-          <a:xfrm>
-            <a:off x="838200" y="1825625"/>
-            <a:ext cx="10515600" cy="2143548"/>
-          </a:xfrm>
-        </p:spPr>
-        <p:txBody>
-          <a:bodyPr>
-            <a:normAutofit/>
-          </a:bodyPr>
-          <a:lstStyle/>
-          <a:p>
-            <a:r>
-              <a:rPr lang="en-US" altLang="zh-CN" dirty="0"/>
-              <a:t>Select</a:t>
-            </a:r>
-            <a:r>
-              <a:rPr lang="zh-CN" altLang="en-US" dirty="0"/>
-              <a:t> </a:t>
-            </a:r>
-            <a:r>
-              <a:rPr lang="en-US" altLang="zh-CN" dirty="0"/>
-              <a:t>example</a:t>
-            </a:r>
-            <a:r>
-              <a:rPr lang="zh-CN" altLang="en-US" dirty="0"/>
-              <a:t> </a:t>
-            </a:r>
-            <a:r>
-              <a:rPr lang="en-US" altLang="zh-CN" dirty="0"/>
-              <a:t>code:</a:t>
-            </a:r>
-            <a:r>
-              <a:rPr lang="zh-CN" altLang="en-US" dirty="0"/>
-              <a:t> </a:t>
-            </a:r>
-            <a:r>
-              <a:rPr lang="en-US" altLang="zh-CN" dirty="0">
-                <a:hlinkClick r:id="rId2"/>
-              </a:rPr>
-              <a:t>echo</a:t>
-            </a:r>
-            <a:r>
-              <a:rPr lang="zh-CN" altLang="en-US" dirty="0">
-                <a:hlinkClick r:id="rId2"/>
-              </a:rPr>
-              <a:t> </a:t>
-            </a:r>
-            <a:r>
-              <a:rPr lang="en-US" altLang="zh-CN" dirty="0">
-                <a:hlinkClick r:id="rId2"/>
-              </a:rPr>
-              <a:t>server</a:t>
-            </a:r>
-            <a:endParaRPr lang="en-US" altLang="zh-CN" dirty="0"/>
-          </a:p>
-          <a:p>
-            <a:r>
-              <a:rPr lang="en-HK" dirty="0"/>
-              <a:t>Linux or Mac OS.</a:t>
-            </a:r>
-          </a:p>
-          <a:p>
-            <a:r>
-              <a:rPr lang="en-US" altLang="zh-CN" dirty="0"/>
-              <a:t>You</a:t>
-            </a:r>
-            <a:r>
-              <a:rPr lang="zh-CN" altLang="en-US" dirty="0"/>
-              <a:t> </a:t>
-            </a:r>
-            <a:r>
-              <a:rPr lang="en-US" altLang="zh-CN" dirty="0"/>
-              <a:t>can</a:t>
-            </a:r>
-            <a:r>
-              <a:rPr lang="zh-CN" altLang="en-US" dirty="0"/>
-              <a:t> </a:t>
-            </a:r>
-            <a:r>
-              <a:rPr lang="en-US" altLang="zh-CN" dirty="0"/>
-              <a:t>use</a:t>
-            </a:r>
-            <a:r>
-              <a:rPr lang="zh-CN" altLang="en-US" dirty="0"/>
-              <a:t> </a:t>
-            </a:r>
-            <a:r>
-              <a:rPr lang="en-US" altLang="zh-CN" dirty="0" err="1"/>
-              <a:t>netcat</a:t>
-            </a:r>
-            <a:r>
-              <a:rPr lang="zh-CN" altLang="en-US" dirty="0"/>
-              <a:t> </a:t>
-            </a:r>
-            <a:r>
-              <a:rPr lang="en-US" altLang="zh-CN" dirty="0"/>
-              <a:t>(“</a:t>
-            </a:r>
-            <a:r>
-              <a:rPr lang="en-US" altLang="zh-CN" dirty="0" err="1"/>
-              <a:t>nc</a:t>
-            </a:r>
-            <a:r>
-              <a:rPr lang="en-US" altLang="zh-CN" dirty="0"/>
-              <a:t>”</a:t>
-            </a:r>
-            <a:r>
-              <a:rPr lang="zh-CN" altLang="en-US" dirty="0"/>
-              <a:t> </a:t>
-            </a:r>
-            <a:r>
-              <a:rPr lang="en-US" altLang="zh-CN" dirty="0"/>
-              <a:t>in</a:t>
-            </a:r>
-            <a:r>
-              <a:rPr lang="zh-CN" altLang="en-US" dirty="0"/>
-              <a:t> </a:t>
-            </a:r>
-            <a:r>
-              <a:rPr lang="en-US" altLang="zh-CN" dirty="0"/>
-              <a:t>command</a:t>
-            </a:r>
-            <a:r>
-              <a:rPr lang="zh-CN" altLang="en-US" dirty="0"/>
-              <a:t> </a:t>
-            </a:r>
-            <a:r>
-              <a:rPr lang="en-US" altLang="zh-CN" dirty="0"/>
-              <a:t>line)</a:t>
-            </a:r>
-            <a:r>
-              <a:rPr lang="zh-CN" altLang="en-US" dirty="0"/>
-              <a:t> </a:t>
-            </a:r>
-            <a:r>
-              <a:rPr lang="en-US" altLang="zh-CN" dirty="0"/>
-              <a:t>to</a:t>
-            </a:r>
-            <a:r>
-              <a:rPr lang="zh-CN" altLang="en-US" dirty="0"/>
-              <a:t> </a:t>
-            </a:r>
-            <a:r>
-              <a:rPr lang="en-US" altLang="zh-CN" dirty="0"/>
-              <a:t>communicate</a:t>
-            </a:r>
-            <a:r>
-              <a:rPr lang="zh-CN" altLang="en-US" dirty="0"/>
-              <a:t> </a:t>
-            </a:r>
-            <a:r>
-              <a:rPr lang="en-US" altLang="zh-CN" dirty="0"/>
-              <a:t>with</a:t>
-            </a:r>
-            <a:r>
-              <a:rPr lang="zh-CN" altLang="en-US" dirty="0"/>
-              <a:t> </a:t>
-            </a:r>
-            <a:r>
-              <a:rPr lang="en-US" altLang="zh-CN" dirty="0"/>
-              <a:t>the</a:t>
-            </a:r>
-            <a:r>
-              <a:rPr lang="zh-CN" altLang="en-US" dirty="0"/>
-              <a:t> </a:t>
-            </a:r>
-            <a:r>
-              <a:rPr lang="en-US" altLang="zh-CN" dirty="0"/>
-              <a:t>“echo</a:t>
-            </a:r>
-            <a:r>
-              <a:rPr lang="zh-CN" altLang="en-US" dirty="0"/>
-              <a:t> </a:t>
-            </a:r>
-            <a:r>
-              <a:rPr lang="en-US" altLang="zh-CN"/>
-              <a:t>server”.</a:t>
-            </a:r>
-            <a:endParaRPr lang="en-HK" dirty="0"/>
-          </a:p>
-        </p:txBody>
-      </p:sp>
-    </p:spTree>
-    <p:extLst>
-      <p:ext uri="{BB962C8B-B14F-4D97-AF65-F5344CB8AC3E}">
-        <p14:creationId xmlns:p14="http://schemas.microsoft.com/office/powerpoint/2010/main" val="1871005255"/>
-      </p:ext>
-    </p:extLst>
-  </p:cSld>
-  <p:clrMapOvr>
-    <a:masterClrMapping/>
-  </p:clrMapOvr>
-</p:sld>
-</file>
-
-<file path=ppt/slides/slide13.xml><?xml version="1.0" encoding="utf-8"?>
-<p:sld xmlns:a="http://schemas.openxmlformats.org/drawingml/2006/main" xmlns:r="http://schemas.openxmlformats.org/officeDocument/2006/relationships" xmlns:p="http://schemas.openxmlformats.org/presentationml/2006/main">
-  <p:cSld>
-    <p:spTree>
-      <p:nvGrpSpPr>
-        <p:cNvPr id="1" name=""/>
-        <p:cNvGrpSpPr/>
-        <p:nvPr/>
-      </p:nvGrpSpPr>
-      <p:grpSpPr>
-        <a:xfrm>
-          <a:off x="0" y="0"/>
-          <a:ext cx="0" cy="0"/>
-          <a:chOff x="0" y="0"/>
-          <a:chExt cx="0" cy="0"/>
-        </a:xfrm>
-      </p:grpSpPr>
-      <p:sp>
-        <p:nvSpPr>
-          <p:cNvPr id="2" name="Title 1">
-            <a:extLst>
-              <a:ext uri="{FF2B5EF4-FFF2-40B4-BE49-F238E27FC236}">
-                <a16:creationId xmlns:a16="http://schemas.microsoft.com/office/drawing/2014/main" id="{45C79BA1-37A3-5741-B0A1-E64646E4283C}"/>
-              </a:ext>
-            </a:extLst>
-          </p:cNvPr>
-          <p:cNvSpPr>
-            <a:spLocks noGrp="1"/>
-          </p:cNvSpPr>
-          <p:nvPr>
-            <p:ph type="title"/>
-          </p:nvPr>
-        </p:nvSpPr>
-        <p:spPr/>
-        <p:txBody>
-          <a:bodyPr/>
-          <a:lstStyle/>
-          <a:p>
-            <a:r>
-              <a:rPr lang="en-US" b="1" dirty="0"/>
-              <a:t>S</a:t>
-            </a:r>
-            <a:r>
-              <a:rPr lang="en-US" altLang="zh-CN" b="1" dirty="0"/>
-              <a:t>elect</a:t>
-            </a:r>
-            <a:r>
-              <a:rPr lang="en-US" b="1" dirty="0"/>
-              <a:t> Programming</a:t>
-            </a:r>
-            <a:r>
-              <a:rPr lang="zh-CN" altLang="en-US" b="1" dirty="0"/>
-              <a:t> </a:t>
-            </a:r>
-            <a:r>
-              <a:rPr lang="en-US" altLang="zh-CN" b="1" dirty="0"/>
-              <a:t>Links</a:t>
-            </a:r>
-            <a:endParaRPr lang="en-US" b="1" dirty="0"/>
-          </a:p>
-        </p:txBody>
-      </p:sp>
-      <p:sp>
-        <p:nvSpPr>
-          <p:cNvPr id="3" name="Content Placeholder 2">
-            <a:extLst>
-              <a:ext uri="{FF2B5EF4-FFF2-40B4-BE49-F238E27FC236}">
-                <a16:creationId xmlns:a16="http://schemas.microsoft.com/office/drawing/2014/main" id="{8F20472D-613F-3748-9CBD-88055CDB4B08}"/>
-              </a:ext>
-            </a:extLst>
-          </p:cNvPr>
-          <p:cNvSpPr>
-            <a:spLocks noGrp="1"/>
-          </p:cNvSpPr>
-          <p:nvPr>
-            <p:ph idx="1"/>
-          </p:nvPr>
-        </p:nvSpPr>
-        <p:spPr>
-          <a:xfrm>
-            <a:off x="838200" y="1825625"/>
-            <a:ext cx="10515600" cy="3007632"/>
-          </a:xfrm>
-        </p:spPr>
-        <p:txBody>
-          <a:bodyPr>
-            <a:normAutofit lnSpcReduction="10000"/>
-          </a:bodyPr>
-          <a:lstStyle/>
-          <a:p>
-            <a:r>
-              <a:rPr lang="en-US" altLang="zh-CN" dirty="0"/>
-              <a:t>“s</a:t>
-            </a:r>
-            <a:r>
-              <a:rPr lang="en-HK" dirty="0"/>
-              <a:t>elect</a:t>
-            </a:r>
-            <a:r>
-              <a:rPr lang="en-US" altLang="zh-CN" dirty="0"/>
-              <a:t>”</a:t>
-            </a:r>
-            <a:r>
-              <a:rPr lang="en-HK" dirty="0"/>
-              <a:t> document:</a:t>
-            </a:r>
-            <a:r>
-              <a:rPr lang="zh-CN" altLang="en-US" dirty="0"/>
-              <a:t> </a:t>
-            </a:r>
-            <a:endParaRPr lang="en-US" altLang="zh-CN" dirty="0"/>
-          </a:p>
-          <a:p>
-            <a:pPr lvl="1"/>
-            <a:r>
-              <a:rPr lang="en-HK" altLang="zh-CN" dirty="0">
-                <a:hlinkClick r:id="rId2"/>
-              </a:rPr>
-              <a:t>https://man7.org/</a:t>
-            </a:r>
-            <a:r>
-              <a:rPr lang="en-HK" altLang="zh-CN" dirty="0" err="1">
-                <a:hlinkClick r:id="rId2"/>
-              </a:rPr>
-              <a:t>linux</a:t>
-            </a:r>
-            <a:r>
-              <a:rPr lang="en-HK" altLang="zh-CN" dirty="0">
-                <a:hlinkClick r:id="rId2"/>
-              </a:rPr>
-              <a:t>/man-pages/man2/select.2.html</a:t>
-            </a:r>
-            <a:endParaRPr lang="en-HK" dirty="0"/>
-          </a:p>
-          <a:p>
-            <a:r>
-              <a:rPr lang="en-US" altLang="zh-CN" dirty="0"/>
-              <a:t>“select”</a:t>
-            </a:r>
-            <a:r>
-              <a:rPr lang="zh-CN" altLang="en-US" dirty="0"/>
-              <a:t> </a:t>
-            </a:r>
-            <a:r>
-              <a:rPr lang="en-US" altLang="zh-CN" dirty="0"/>
-              <a:t>code</a:t>
-            </a:r>
-            <a:r>
-              <a:rPr lang="zh-CN" altLang="en-US" dirty="0"/>
-              <a:t> </a:t>
-            </a:r>
-            <a:r>
-              <a:rPr lang="en-US" altLang="zh-CN" dirty="0"/>
-              <a:t>example:</a:t>
-            </a:r>
-          </a:p>
-          <a:p>
-            <a:pPr lvl="1"/>
-            <a:r>
-              <a:rPr lang="en-US" altLang="zh-CN" dirty="0">
-                <a:hlinkClick r:id="rId3"/>
-              </a:rPr>
-              <a:t>https://</a:t>
-            </a:r>
-            <a:r>
-              <a:rPr lang="en-US" altLang="zh-CN" dirty="0" err="1">
-                <a:hlinkClick r:id="rId3"/>
-              </a:rPr>
-              <a:t>github.com</a:t>
-            </a:r>
-            <a:r>
-              <a:rPr lang="en-US" altLang="zh-CN" dirty="0">
-                <a:hlinkClick r:id="rId3"/>
-              </a:rPr>
-              <a:t>/</a:t>
-            </a:r>
-            <a:r>
-              <a:rPr lang="en-US" altLang="zh-CN" dirty="0" err="1">
-                <a:hlinkClick r:id="rId3"/>
-              </a:rPr>
-              <a:t>henryhxu</a:t>
-            </a:r>
-            <a:r>
-              <a:rPr lang="en-US" altLang="zh-CN" dirty="0">
-                <a:hlinkClick r:id="rId3"/>
-              </a:rPr>
-              <a:t>/CSCI4430-ESTR4120/tree/2022_spring/tutorial/T04/</a:t>
-            </a:r>
-            <a:r>
-              <a:rPr lang="en-US" altLang="zh-CN" dirty="0" err="1">
-                <a:hlinkClick r:id="rId3"/>
-              </a:rPr>
-              <a:t>select_example</a:t>
-            </a:r>
-            <a:endParaRPr lang="en-HK" dirty="0"/>
-          </a:p>
-          <a:p>
-            <a:r>
-              <a:rPr lang="en-HK" dirty="0"/>
-              <a:t>man is always your good friend</a:t>
-            </a:r>
-          </a:p>
-          <a:p>
-            <a:pPr lvl="1"/>
-            <a:r>
-              <a:rPr lang="en-US" altLang="zh-CN" sz="2800" dirty="0"/>
-              <a:t>“</a:t>
-            </a:r>
-            <a:r>
-              <a:rPr lang="en-HK" sz="2800" dirty="0"/>
-              <a:t>man s</a:t>
-            </a:r>
-            <a:r>
-              <a:rPr lang="en-US" altLang="zh-CN" sz="2800" dirty="0"/>
-              <a:t>elect”</a:t>
-            </a:r>
-            <a:r>
-              <a:rPr lang="zh-CN" altLang="en-US" sz="2800" dirty="0"/>
-              <a:t> </a:t>
-            </a:r>
-            <a:r>
-              <a:rPr lang="en-US" altLang="zh-CN" sz="2800" dirty="0"/>
-              <a:t>for</a:t>
-            </a:r>
-            <a:r>
-              <a:rPr lang="zh-CN" altLang="en-US" sz="2800" dirty="0"/>
-              <a:t> </a:t>
-            </a:r>
-            <a:r>
-              <a:rPr lang="en-US" altLang="zh-CN" sz="2800" dirty="0"/>
-              <a:t>checking</a:t>
-            </a:r>
-            <a:r>
-              <a:rPr lang="zh-CN" altLang="en-US" sz="2800" dirty="0"/>
-              <a:t> </a:t>
-            </a:r>
-            <a:r>
-              <a:rPr lang="en-US" altLang="zh-CN" sz="2800" dirty="0"/>
-              <a:t>more</a:t>
-            </a:r>
-            <a:r>
-              <a:rPr lang="zh-CN" altLang="en-US" sz="2800" dirty="0"/>
-              <a:t> </a:t>
-            </a:r>
-            <a:r>
-              <a:rPr lang="en-US" altLang="zh-CN" sz="2800" dirty="0"/>
-              <a:t>details</a:t>
-            </a:r>
-            <a:r>
-              <a:rPr lang="zh-CN" altLang="en-US" sz="2800" dirty="0"/>
-              <a:t> </a:t>
-            </a:r>
-            <a:r>
-              <a:rPr lang="en-US" altLang="zh-CN" sz="2800" dirty="0"/>
-              <a:t>about</a:t>
-            </a:r>
-            <a:r>
-              <a:rPr lang="zh-CN" altLang="en-US" sz="2800" dirty="0"/>
-              <a:t> </a:t>
-            </a:r>
-            <a:r>
-              <a:rPr lang="en-US" altLang="zh-CN" sz="2800" dirty="0"/>
-              <a:t>select</a:t>
-            </a:r>
-            <a:endParaRPr lang="en-HK" dirty="0"/>
-          </a:p>
-          <a:p>
-            <a:endParaRPr lang="en-HK" dirty="0"/>
-          </a:p>
-        </p:txBody>
-      </p:sp>
-    </p:spTree>
-    <p:extLst>
-      <p:ext uri="{BB962C8B-B14F-4D97-AF65-F5344CB8AC3E}">
-        <p14:creationId xmlns:p14="http://schemas.microsoft.com/office/powerpoint/2010/main" val="616564471"/>
-      </p:ext>
-    </p:extLst>
-  </p:cSld>
-  <p:clrMapOvr>
-    <a:masterClrMapping/>
-  </p:clrMapOvr>
-</p:sld>
-</file>
-
-<file path=ppt/slides/slide14.xml><?xml version="1.0" encoding="utf-8"?>
-<p:sld xmlns:a="http://schemas.openxmlformats.org/drawingml/2006/main" xmlns:r="http://schemas.openxmlformats.org/officeDocument/2006/relationships" xmlns:p="http://schemas.openxmlformats.org/presentationml/2006/main">
-  <p:cSld>
-    <p:spTree>
-      <p:nvGrpSpPr>
-        <p:cNvPr id="1" name=""/>
-        <p:cNvGrpSpPr/>
-        <p:nvPr/>
-      </p:nvGrpSpPr>
-      <p:grpSpPr>
-        <a:xfrm>
-          <a:off x="0" y="0"/>
-          <a:ext cx="0" cy="0"/>
-          <a:chOff x="0" y="0"/>
-          <a:chExt cx="0" cy="0"/>
-        </a:xfrm>
-      </p:grpSpPr>
-      <p:sp>
-        <p:nvSpPr>
-          <p:cNvPr id="4" name="Rectangle 3">
-            <a:extLst>
-              <a:ext uri="{FF2B5EF4-FFF2-40B4-BE49-F238E27FC236}">
-                <a16:creationId xmlns:a16="http://schemas.microsoft.com/office/drawing/2014/main" id="{A8D2CAE8-E323-A14E-A62F-188A25405FEA}"/>
-              </a:ext>
-            </a:extLst>
-          </p:cNvPr>
-          <p:cNvSpPr/>
-          <p:nvPr/>
-        </p:nvSpPr>
-        <p:spPr>
-          <a:xfrm>
-            <a:off x="5350732" y="3136612"/>
-            <a:ext cx="1490536" cy="584775"/>
-          </a:xfrm>
-          <a:prstGeom prst="rect">
-            <a:avLst/>
-          </a:prstGeom>
-        </p:spPr>
-        <p:txBody>
-          <a:bodyPr wrap="none">
-            <a:spAutoFit/>
-          </a:bodyPr>
-          <a:lstStyle/>
-          <a:p>
-            <a:r>
-              <a:rPr lang="en-US" sz="3200" dirty="0"/>
-              <a:t>Thanks!</a:t>
-            </a:r>
-          </a:p>
-        </p:txBody>
-      </p:sp>
-    </p:spTree>
-    <p:extLst>
-      <p:ext uri="{BB962C8B-B14F-4D97-AF65-F5344CB8AC3E}">
-        <p14:creationId xmlns:p14="http://schemas.microsoft.com/office/powerpoint/2010/main" val="3216618933"/>
-      </p:ext>
-    </p:extLst>
-  </p:cSld>
-  <p:clrMapOvr>
-    <a:masterClrMapping/>
-  </p:clrMapOvr>
-</p:sld>
-</file>
-
-<file path=ppt/slides/slide2.xml><?xml version="1.0" encoding="utf-8"?>
-<p:sld xmlns:a="http://schemas.openxmlformats.org/drawingml/2006/main" xmlns:r="http://schemas.openxmlformats.org/officeDocument/2006/relationships" xmlns:p="http://schemas.openxmlformats.org/presentationml/2006/main">
-  <p:cSld>
-    <p:spTree>
-      <p:nvGrpSpPr>
-        <p:cNvPr id="1" name=""/>
-        <p:cNvGrpSpPr/>
-        <p:nvPr/>
-      </p:nvGrpSpPr>
-      <p:grpSpPr>
-        <a:xfrm>
-          <a:off x="0" y="0"/>
-          <a:ext cx="0" cy="0"/>
-          <a:chOff x="0" y="0"/>
-          <a:chExt cx="0" cy="0"/>
-        </a:xfrm>
-      </p:grpSpPr>
-      <p:sp>
-        <p:nvSpPr>
-          <p:cNvPr id="2" name="Title 1">
-            <a:extLst>
-              <a:ext uri="{FF2B5EF4-FFF2-40B4-BE49-F238E27FC236}">
-                <a16:creationId xmlns:a16="http://schemas.microsoft.com/office/drawing/2014/main" id="{45C79BA1-37A3-5741-B0A1-E64646E4283C}"/>
-              </a:ext>
-            </a:extLst>
-          </p:cNvPr>
-          <p:cNvSpPr>
-            <a:spLocks noGrp="1"/>
-          </p:cNvSpPr>
-          <p:nvPr>
-            <p:ph type="title"/>
-          </p:nvPr>
-        </p:nvSpPr>
-        <p:spPr/>
-        <p:txBody>
-          <a:bodyPr/>
-          <a:lstStyle/>
-          <a:p>
-            <a:r>
-              <a:rPr lang="en-US" b="1" dirty="0"/>
-              <a:t>Assignment </a:t>
-            </a:r>
-            <a:r>
-              <a:rPr lang="en-US" altLang="zh-CN" b="1" dirty="0"/>
-              <a:t>2</a:t>
-            </a:r>
-            <a:r>
-              <a:rPr lang="en-US" b="1" dirty="0"/>
-              <a:t> is out!</a:t>
-            </a:r>
-          </a:p>
-        </p:txBody>
-      </p:sp>
-      <p:sp>
-        <p:nvSpPr>
-          <p:cNvPr id="3" name="Content Placeholder 2">
-            <a:extLst>
-              <a:ext uri="{FF2B5EF4-FFF2-40B4-BE49-F238E27FC236}">
-                <a16:creationId xmlns:a16="http://schemas.microsoft.com/office/drawing/2014/main" id="{8F20472D-613F-3748-9CBD-88055CDB4B08}"/>
-              </a:ext>
-            </a:extLst>
-          </p:cNvPr>
-          <p:cNvSpPr>
-            <a:spLocks noGrp="1"/>
-          </p:cNvSpPr>
-          <p:nvPr>
-            <p:ph idx="1"/>
-          </p:nvPr>
-        </p:nvSpPr>
-        <p:spPr/>
-        <p:txBody>
-          <a:bodyPr vert="horz" lIns="91440" tIns="45720" rIns="91440" bIns="45720" rtlCol="0" anchor="t">
-            <a:normAutofit/>
-          </a:bodyPr>
-          <a:lstStyle/>
-          <a:p>
-            <a:r>
-              <a:rPr lang="en-US" sz="3200" dirty="0"/>
-              <a:t>Due: S</a:t>
-            </a:r>
-            <a:r>
-              <a:rPr lang="en-US" altLang="zh-CN" sz="3200" dirty="0"/>
-              <a:t>un</a:t>
-            </a:r>
-            <a:r>
-              <a:rPr lang="en-US" sz="3200" dirty="0"/>
-              <a:t>, 2</a:t>
-            </a:r>
-            <a:r>
-              <a:rPr lang="en-US" altLang="zh-CN" sz="3200" dirty="0"/>
-              <a:t>7</a:t>
-            </a:r>
-            <a:r>
-              <a:rPr lang="en-US" sz="3200" dirty="0"/>
-              <a:t> </a:t>
-            </a:r>
-            <a:r>
-              <a:rPr lang="en-US" altLang="zh-CN" sz="3200" dirty="0"/>
-              <a:t>Fe</a:t>
-            </a:r>
-            <a:r>
-              <a:rPr lang="en-US" sz="3200" dirty="0"/>
-              <a:t>b. 11:59 p.m.</a:t>
-            </a:r>
-          </a:p>
-          <a:p>
-            <a:r>
-              <a:rPr lang="en-US" altLang="zh-CN" sz="3200" dirty="0"/>
-              <a:t>Use</a:t>
-            </a:r>
-            <a:r>
-              <a:rPr lang="zh-CN" altLang="en-US" sz="3200" dirty="0"/>
-              <a:t> </a:t>
-            </a:r>
-            <a:r>
-              <a:rPr lang="en-US" altLang="zh-CN" sz="3200" dirty="0"/>
-              <a:t>“select”</a:t>
-            </a:r>
-            <a:r>
-              <a:rPr lang="zh-CN" altLang="en-US" sz="3200" dirty="0"/>
-              <a:t> </a:t>
-            </a:r>
-            <a:r>
-              <a:rPr lang="en-US" altLang="zh-CN" sz="3200" dirty="0"/>
-              <a:t>to</a:t>
-            </a:r>
-            <a:r>
-              <a:rPr lang="zh-CN" altLang="en-US" sz="3200" dirty="0"/>
-              <a:t> </a:t>
-            </a:r>
-            <a:r>
-              <a:rPr lang="en-US" altLang="zh-CN" sz="3200" dirty="0"/>
-              <a:t>handle</a:t>
-            </a:r>
-            <a:r>
-              <a:rPr lang="zh-CN" altLang="en-US" sz="3200" dirty="0"/>
-              <a:t> </a:t>
-            </a:r>
-            <a:r>
-              <a:rPr lang="en-US" altLang="zh-CN" sz="3200" dirty="0"/>
-              <a:t>multi-connection</a:t>
-            </a:r>
-            <a:r>
-              <a:rPr lang="zh-CN" altLang="en-US" sz="3200" dirty="0"/>
-              <a:t> </a:t>
-            </a:r>
-            <a:r>
-              <a:rPr lang="en-US" altLang="zh-CN" sz="3200" dirty="0"/>
-              <a:t>programming</a:t>
-            </a:r>
-            <a:endParaRPr lang="en-US" sz="3200" dirty="0"/>
-          </a:p>
-          <a:p>
-            <a:r>
-              <a:rPr lang="en-US" sz="3200" dirty="0"/>
-              <a:t>START EARLY!</a:t>
-            </a:r>
-            <a:endParaRPr lang="en-US" sz="3200" dirty="0">
-              <a:cs typeface="Calibri"/>
-            </a:endParaRPr>
-          </a:p>
-        </p:txBody>
-      </p:sp>
-    </p:spTree>
-    <p:extLst>
-      <p:ext uri="{BB962C8B-B14F-4D97-AF65-F5344CB8AC3E}">
-        <p14:creationId xmlns:p14="http://schemas.microsoft.com/office/powerpoint/2010/main" val="1947847713"/>
-      </p:ext>
-    </p:extLst>
-  </p:cSld>
-  <p:clrMapOvr>
-    <a:masterClrMapping/>
-  </p:clrMapOvr>
-</p:sld>
-</file>
-
-<file path=ppt/slides/slide3.xml><?xml version="1.0" encoding="utf-8"?>
-<p:sld xmlns:a="http://schemas.openxmlformats.org/drawingml/2006/main" xmlns:r="http://schemas.openxmlformats.org/officeDocument/2006/relationships" xmlns:p="http://schemas.openxmlformats.org/presentationml/2006/main">
-  <p:cSld>
-    <p:spTree>
-      <p:nvGrpSpPr>
-        <p:cNvPr id="1" name=""/>
-        <p:cNvGrpSpPr/>
-        <p:nvPr/>
-      </p:nvGrpSpPr>
-      <p:grpSpPr>
-        <a:xfrm>
-          <a:off x="0" y="0"/>
-          <a:ext cx="0" cy="0"/>
-          <a:chOff x="0" y="0"/>
-          <a:chExt cx="0" cy="0"/>
-        </a:xfrm>
-      </p:grpSpPr>
-      <p:sp>
-        <p:nvSpPr>
-          <p:cNvPr id="2" name="Title 1">
-            <a:extLst>
-              <a:ext uri="{FF2B5EF4-FFF2-40B4-BE49-F238E27FC236}">
-                <a16:creationId xmlns:a16="http://schemas.microsoft.com/office/drawing/2014/main" id="{45C79BA1-37A3-5741-B0A1-E64646E4283C}"/>
-              </a:ext>
-            </a:extLst>
-          </p:cNvPr>
-          <p:cNvSpPr>
-            <a:spLocks noGrp="1"/>
-          </p:cNvSpPr>
-          <p:nvPr>
-            <p:ph type="title"/>
-          </p:nvPr>
-        </p:nvSpPr>
-        <p:spPr/>
-        <p:txBody>
-          <a:bodyPr/>
-          <a:lstStyle/>
-          <a:p>
-            <a:r>
-              <a:rPr lang="en-US" b="1" dirty="0"/>
-              <a:t>Outline</a:t>
-            </a:r>
-          </a:p>
-        </p:txBody>
-      </p:sp>
-      <p:sp>
-        <p:nvSpPr>
-          <p:cNvPr id="3" name="Content Placeholder 2">
-            <a:extLst>
-              <a:ext uri="{FF2B5EF4-FFF2-40B4-BE49-F238E27FC236}">
-                <a16:creationId xmlns:a16="http://schemas.microsoft.com/office/drawing/2014/main" id="{8F20472D-613F-3748-9CBD-88055CDB4B08}"/>
-              </a:ext>
-            </a:extLst>
-          </p:cNvPr>
-          <p:cNvSpPr>
-            <a:spLocks noGrp="1"/>
-          </p:cNvSpPr>
-          <p:nvPr>
-            <p:ph idx="1"/>
-          </p:nvPr>
-        </p:nvSpPr>
-        <p:spPr/>
-        <p:txBody>
-          <a:bodyPr>
-            <a:normAutofit/>
-          </a:bodyPr>
-          <a:lstStyle/>
-          <a:p>
-            <a:r>
-              <a:rPr lang="en-US" sz="3200" dirty="0"/>
-              <a:t>Introduction to programming</a:t>
-            </a:r>
-            <a:r>
-              <a:rPr lang="zh-CN" altLang="en-US" sz="3200" dirty="0"/>
-              <a:t> </a:t>
-            </a:r>
-            <a:r>
-              <a:rPr lang="en-US" altLang="zh-CN" sz="3200" dirty="0"/>
-              <a:t>with</a:t>
-            </a:r>
-            <a:r>
-              <a:rPr lang="zh-CN" altLang="en-US" sz="3200" dirty="0"/>
-              <a:t> </a:t>
-            </a:r>
-            <a:r>
-              <a:rPr lang="en-US" altLang="zh-CN" sz="3200" dirty="0"/>
-              <a:t>“select”</a:t>
-            </a:r>
-            <a:endParaRPr lang="en-US" sz="3200" dirty="0"/>
-          </a:p>
-          <a:p>
-            <a:endParaRPr lang="en-US" sz="3200" dirty="0"/>
-          </a:p>
-          <a:p>
-            <a:r>
-              <a:rPr lang="en-US" sz="3200" dirty="0"/>
-              <a:t>A simple demo.</a:t>
-            </a:r>
-          </a:p>
-        </p:txBody>
-      </p:sp>
-    </p:spTree>
-    <p:extLst>
-      <p:ext uri="{BB962C8B-B14F-4D97-AF65-F5344CB8AC3E}">
-        <p14:creationId xmlns:p14="http://schemas.microsoft.com/office/powerpoint/2010/main" val="440415094"/>
-      </p:ext>
-    </p:extLst>
-  </p:cSld>
-  <p:clrMapOvr>
-    <a:masterClrMapping/>
-  </p:clrMapOvr>
-</p:sld>
-</file>
-
-<file path=ppt/slides/slide4.xml><?xml version="1.0" encoding="utf-8"?>
-<p:sld xmlns:a="http://schemas.openxmlformats.org/drawingml/2006/main" xmlns:r="http://schemas.openxmlformats.org/officeDocument/2006/relationships" xmlns:p="http://schemas.openxmlformats.org/presentationml/2006/main">
-  <p:cSld>
-    <p:spTree>
-      <p:nvGrpSpPr>
-        <p:cNvPr id="1" name=""/>
-        <p:cNvGrpSpPr/>
-        <p:nvPr/>
-      </p:nvGrpSpPr>
-      <p:grpSpPr>
-        <a:xfrm>
-          <a:off x="0" y="0"/>
-          <a:ext cx="0" cy="0"/>
-          <a:chOff x="0" y="0"/>
-          <a:chExt cx="0" cy="0"/>
-        </a:xfrm>
-      </p:grpSpPr>
-      <p:sp>
-        <p:nvSpPr>
-          <p:cNvPr id="2" name="Title 1">
-            <a:extLst>
-              <a:ext uri="{FF2B5EF4-FFF2-40B4-BE49-F238E27FC236}">
-                <a16:creationId xmlns:a16="http://schemas.microsoft.com/office/drawing/2014/main" id="{45C79BA1-37A3-5741-B0A1-E64646E4283C}"/>
-              </a:ext>
-            </a:extLst>
-          </p:cNvPr>
-          <p:cNvSpPr>
-            <a:spLocks noGrp="1"/>
-          </p:cNvSpPr>
-          <p:nvPr>
-            <p:ph type="title"/>
-          </p:nvPr>
-        </p:nvSpPr>
-        <p:spPr/>
-        <p:txBody>
-          <a:bodyPr/>
-          <a:lstStyle/>
-          <a:p>
-            <a:r>
-              <a:rPr lang="en-US" altLang="zh-CN" b="1" dirty="0"/>
-              <a:t>A2</a:t>
-            </a:r>
-            <a:r>
-              <a:rPr lang="zh-CN" altLang="en-US" b="1" dirty="0"/>
-              <a:t> </a:t>
-            </a:r>
-            <a:r>
-              <a:rPr lang="en-US" altLang="zh-CN" b="1" dirty="0"/>
-              <a:t>Preparation:</a:t>
-            </a:r>
-            <a:r>
-              <a:rPr lang="zh-CN" altLang="en-US" b="1" dirty="0"/>
-              <a:t> </a:t>
-            </a:r>
-            <a:r>
-              <a:rPr lang="en-US" altLang="zh-CN" b="1" dirty="0"/>
-              <a:t>select()</a:t>
-            </a:r>
-            <a:endParaRPr lang="en-US" b="1" dirty="0"/>
-          </a:p>
-        </p:txBody>
-      </p:sp>
-      <p:sp>
-        <p:nvSpPr>
-          <p:cNvPr id="6" name="Rectangle 2">
-            <a:extLst>
-              <a:ext uri="{FF2B5EF4-FFF2-40B4-BE49-F238E27FC236}">
-                <a16:creationId xmlns:a16="http://schemas.microsoft.com/office/drawing/2014/main" id="{B89ED527-9E1D-464F-8FDB-9EB8B6E339F6}"/>
-              </a:ext>
-            </a:extLst>
-          </p:cNvPr>
-          <p:cNvSpPr>
-            <a:spLocks noChangeArrowheads="1"/>
-          </p:cNvSpPr>
-          <p:nvPr/>
-        </p:nvSpPr>
-        <p:spPr bwMode="auto">
-          <a:xfrm>
-            <a:off x="2387600" y="2066007"/>
-            <a:ext cx="7023100" cy="846386"/>
-          </a:xfrm>
-          <a:prstGeom prst="rect">
-            <a:avLst/>
-          </a:prstGeom>
-          <a:solidFill>
-            <a:srgbClr val="FFFFFF"/>
-          </a:solidFill>
-          <a:ln>
-            <a:noFill/>
-          </a:ln>
-          <a:effectLst/>
-          <a:extLst>
-            <a:ext uri="{91240B29-F687-4F45-9708-019B960494DF}">
-              <a14:hiddenLine xmlns:a14="http://schemas.microsoft.com/office/drawing/2010/main" w="9525">
-                <a:solidFill>
-                  <a:schemeClr val="tx1"/>
-                </a:solidFill>
-                <a:miter lim="800000"/>
-                <a:headEnd/>
-                <a:tailEnd/>
-              </a14:hiddenLine>
-            </a:ext>
-            <a:ext uri="{AF507438-7753-43E0-B8FC-AC1667EBCBE1}">
-              <a14:hiddenEffects xmlns:a14="http://schemas.microsoft.com/office/drawing/2010/main">
-                <a:effectLst>
-                  <a:outerShdw dist="35921" dir="2700000" algn="ctr" rotWithShape="0">
-                    <a:schemeClr val="bg2"/>
-                  </a:outerShdw>
-                </a:effectLst>
-              </a14:hiddenEffects>
-            </a:ext>
-          </a:extLst>
-        </p:spPr>
-        <p:txBody>
-          <a:bodyPr vert="horz" wrap="square" lIns="91440" tIns="45720" rIns="91440" bIns="45720" numCol="1" anchor="ctr" anchorCtr="0" compatLnSpc="1">
-            <a:prstTxWarp prst="textNoShape">
-              <a:avLst/>
-            </a:prstTxWarp>
-            <a:spAutoFit/>
-          </a:bodyPr>
-          <a:lstStyle/>
-          <a:p>
-            <a:pPr marL="0" marR="0" lvl="0" indent="0" algn="l" defTabSz="914400" rtl="0" eaLnBrk="0" fontAlgn="base" latinLnBrk="0" hangingPunct="0">
-              <a:lnSpc>
-                <a:spcPct val="100000"/>
-              </a:lnSpc>
-              <a:spcBef>
-                <a:spcPct val="0"/>
-              </a:spcBef>
-              <a:spcAft>
-                <a:spcPct val="0"/>
-              </a:spcAft>
-              <a:buClrTx/>
-              <a:buSzTx/>
-              <a:buFontTx/>
-              <a:buNone/>
-              <a:tabLst/>
-            </a:pPr>
-            <a:r>
-              <a:rPr kumimoji="0" lang="zh-CN" altLang="zh-CN" sz="4900" b="0" i="0" u="none" strike="noStrike" cap="none" normalizeH="0" baseline="0" dirty="0">
-                <a:ln>
-                  <a:noFill/>
-                </a:ln>
-                <a:solidFill>
-                  <a:schemeClr val="tx1"/>
-                </a:solidFill>
-                <a:effectLst/>
-                <a:latin typeface="Arial" panose="020B0604020202020204" pitchFamily="34" charset="0"/>
-                <a:ea typeface="Calibri" panose="020F0502020204030204" pitchFamily="34" charset="0"/>
-              </a:rPr>
-              <a:t>select(): I/O Multiplexing </a:t>
-            </a:r>
-            <a:endParaRPr kumimoji="0" lang="zh-CN" altLang="zh-CN" sz="1800" b="0" i="0" u="none" strike="noStrike" cap="none" normalizeH="0" baseline="0" dirty="0">
-              <a:ln>
-                <a:noFill/>
-              </a:ln>
-              <a:solidFill>
-                <a:schemeClr val="tx1"/>
-              </a:solidFill>
-              <a:effectLst/>
-              <a:latin typeface="Arial" panose="020B0604020202020204" pitchFamily="34" charset="0"/>
-            </a:endParaRPr>
-          </a:p>
-        </p:txBody>
-      </p:sp>
-      <p:sp>
-        <p:nvSpPr>
-          <p:cNvPr id="7" name="矩形 6">
-            <a:extLst>
-              <a:ext uri="{FF2B5EF4-FFF2-40B4-BE49-F238E27FC236}">
-                <a16:creationId xmlns:a16="http://schemas.microsoft.com/office/drawing/2014/main" id="{286F4569-7D93-EC44-B887-417C5800100B}"/>
-              </a:ext>
-            </a:extLst>
-          </p:cNvPr>
-          <p:cNvSpPr/>
-          <p:nvPr/>
-        </p:nvSpPr>
-        <p:spPr>
-          <a:xfrm>
-            <a:off x="1828800" y="3615035"/>
-            <a:ext cx="9156700" cy="1384995"/>
-          </a:xfrm>
-          <a:prstGeom prst="rect">
-            <a:avLst/>
-          </a:prstGeom>
-        </p:spPr>
-        <p:txBody>
-          <a:bodyPr wrap="square">
-            <a:spAutoFit/>
-          </a:bodyPr>
-          <a:lstStyle/>
-          <a:p>
-            <a:r>
-              <a:rPr lang="en-US" altLang="zh-CN" sz="2800" dirty="0">
-                <a:latin typeface="Calibri" panose="020F0502020204030204" pitchFamily="34" charset="0"/>
-              </a:rPr>
-              <a:t>Allow a program to monitor multiple file descriptors, waiting until one or more of the file descriptors becomes "ready" for some class of I/O operation. </a:t>
-            </a:r>
-            <a:endParaRPr lang="en-US" altLang="zh-CN" sz="2800" dirty="0">
-              <a:effectLst/>
-            </a:endParaRPr>
-          </a:p>
-        </p:txBody>
-      </p:sp>
-    </p:spTree>
-    <p:extLst>
-      <p:ext uri="{BB962C8B-B14F-4D97-AF65-F5344CB8AC3E}">
-        <p14:creationId xmlns:p14="http://schemas.microsoft.com/office/powerpoint/2010/main" val="2648031906"/>
-      </p:ext>
-    </p:extLst>
-  </p:cSld>
-  <p:clrMapOvr>
-    <a:masterClrMapping/>
-  </p:clrMapOvr>
-</p:sld>
-</file>
-
-<file path=ppt/slides/slide5.xml><?xml version="1.0" encoding="utf-8"?>
-<p:sld xmlns:a="http://schemas.openxmlformats.org/drawingml/2006/main" xmlns:r="http://schemas.openxmlformats.org/officeDocument/2006/relationships" xmlns:p="http://schemas.openxmlformats.org/presentationml/2006/main">
-  <p:cSld>
-    <p:spTree>
-      <p:nvGrpSpPr>
-        <p:cNvPr id="1" name=""/>
-        <p:cNvGrpSpPr/>
-        <p:nvPr/>
-      </p:nvGrpSpPr>
-      <p:grpSpPr>
-        <a:xfrm>
-          <a:off x="0" y="0"/>
-          <a:ext cx="0" cy="0"/>
-          <a:chOff x="0" y="0"/>
-          <a:chExt cx="0" cy="0"/>
-        </a:xfrm>
-      </p:grpSpPr>
-      <p:sp>
-        <p:nvSpPr>
-          <p:cNvPr id="2" name="Title 1">
-            <a:extLst>
-              <a:ext uri="{FF2B5EF4-FFF2-40B4-BE49-F238E27FC236}">
-                <a16:creationId xmlns:a16="http://schemas.microsoft.com/office/drawing/2014/main" id="{45C79BA1-37A3-5741-B0A1-E64646E4283C}"/>
-              </a:ext>
-            </a:extLst>
-          </p:cNvPr>
-          <p:cNvSpPr>
-            <a:spLocks noGrp="1"/>
-          </p:cNvSpPr>
-          <p:nvPr>
-            <p:ph type="title"/>
-          </p:nvPr>
-        </p:nvSpPr>
-        <p:spPr/>
-        <p:txBody>
-          <a:bodyPr/>
-          <a:lstStyle/>
-          <a:p>
-            <a:r>
-              <a:rPr lang="en-US" altLang="zh-CN" b="1" dirty="0"/>
-              <a:t>A2</a:t>
-            </a:r>
-            <a:r>
-              <a:rPr lang="zh-CN" altLang="en-US" b="1" dirty="0"/>
-              <a:t> </a:t>
-            </a:r>
-            <a:r>
-              <a:rPr lang="en-US" altLang="zh-CN" b="1" dirty="0"/>
-              <a:t>Preparation:</a:t>
-            </a:r>
-            <a:r>
-              <a:rPr lang="zh-CN" altLang="en-US" b="1" dirty="0"/>
-              <a:t> </a:t>
-            </a:r>
-            <a:r>
-              <a:rPr lang="en-US" altLang="zh-CN" b="1" dirty="0"/>
-              <a:t>select()</a:t>
-            </a:r>
-            <a:endParaRPr lang="en-US" b="1" dirty="0"/>
-          </a:p>
-        </p:txBody>
-      </p:sp>
-      <p:pic>
-        <p:nvPicPr>
-          <p:cNvPr id="4" name="图片 3">
-            <a:extLst>
-              <a:ext uri="{FF2B5EF4-FFF2-40B4-BE49-F238E27FC236}">
-                <a16:creationId xmlns:a16="http://schemas.microsoft.com/office/drawing/2014/main" id="{89681FE7-3292-E84E-809F-382F61CBC127}"/>
-              </a:ext>
-            </a:extLst>
-          </p:cNvPr>
-          <p:cNvPicPr>
-            <a:picLocks noChangeAspect="1"/>
-          </p:cNvPicPr>
-          <p:nvPr/>
-        </p:nvPicPr>
-        <p:blipFill>
-          <a:blip r:embed="rId2"/>
-          <a:stretch>
-            <a:fillRect/>
-          </a:stretch>
-        </p:blipFill>
-        <p:spPr>
-          <a:xfrm>
-            <a:off x="838200" y="1806802"/>
-            <a:ext cx="9375321" cy="3912221"/>
-          </a:xfrm>
-          <a:prstGeom prst="rect">
-            <a:avLst/>
-          </a:prstGeom>
-        </p:spPr>
-      </p:pic>
-    </p:spTree>
-    <p:extLst>
-      <p:ext uri="{BB962C8B-B14F-4D97-AF65-F5344CB8AC3E}">
-        <p14:creationId xmlns:p14="http://schemas.microsoft.com/office/powerpoint/2010/main" val="3678526647"/>
-      </p:ext>
-    </p:extLst>
-  </p:cSld>
-  <p:clrMapOvr>
-    <a:masterClrMapping/>
-  </p:clrMapOvr>
-</p:sld>
-</file>
-
-<file path=ppt/slides/slide6.xml><?xml version="1.0" encoding="utf-8"?>
-<p:sld xmlns:a="http://schemas.openxmlformats.org/drawingml/2006/main" xmlns:r="http://schemas.openxmlformats.org/officeDocument/2006/relationships" xmlns:p="http://schemas.openxmlformats.org/presentationml/2006/main">
-  <p:cSld>
-    <p:spTree>
-      <p:nvGrpSpPr>
-        <p:cNvPr id="1" name=""/>
-        <p:cNvGrpSpPr/>
-        <p:nvPr/>
-      </p:nvGrpSpPr>
-      <p:grpSpPr>
-        <a:xfrm>
-          <a:off x="0" y="0"/>
-          <a:ext cx="0" cy="0"/>
-          <a:chOff x="0" y="0"/>
-          <a:chExt cx="0" cy="0"/>
-        </a:xfrm>
-      </p:grpSpPr>
-      <p:sp>
-        <p:nvSpPr>
-          <p:cNvPr id="2" name="Title 1">
-            <a:extLst>
-              <a:ext uri="{FF2B5EF4-FFF2-40B4-BE49-F238E27FC236}">
-                <a16:creationId xmlns:a16="http://schemas.microsoft.com/office/drawing/2014/main" id="{45C79BA1-37A3-5741-B0A1-E64646E4283C}"/>
-              </a:ext>
-            </a:extLst>
-          </p:cNvPr>
-          <p:cNvSpPr>
-            <a:spLocks noGrp="1"/>
-          </p:cNvSpPr>
-          <p:nvPr>
-            <p:ph type="title"/>
-          </p:nvPr>
-        </p:nvSpPr>
-        <p:spPr/>
-        <p:txBody>
-          <a:bodyPr/>
-          <a:lstStyle/>
-          <a:p>
-            <a:r>
-              <a:rPr lang="en-US" altLang="zh-CN" b="1" dirty="0"/>
-              <a:t>A2</a:t>
-            </a:r>
-            <a:r>
-              <a:rPr lang="zh-CN" altLang="en-US" b="1" dirty="0"/>
-              <a:t> </a:t>
-            </a:r>
-            <a:r>
-              <a:rPr lang="en-US" altLang="zh-CN" b="1" dirty="0"/>
-              <a:t>Preparation:</a:t>
-            </a:r>
-            <a:r>
-              <a:rPr lang="zh-CN" altLang="en-US" b="1" dirty="0"/>
-              <a:t> </a:t>
-            </a:r>
-            <a:r>
-              <a:rPr lang="en-US" altLang="zh-CN" b="1" dirty="0"/>
-              <a:t>select()</a:t>
-            </a:r>
-            <a:endParaRPr lang="en-US" b="1" dirty="0"/>
-          </a:p>
-        </p:txBody>
-      </p:sp>
-      <p:pic>
-        <p:nvPicPr>
-          <p:cNvPr id="3" name="图片 2">
-            <a:extLst>
-              <a:ext uri="{FF2B5EF4-FFF2-40B4-BE49-F238E27FC236}">
-                <a16:creationId xmlns:a16="http://schemas.microsoft.com/office/drawing/2014/main" id="{DD87CBD2-E246-BC4E-8E61-596B90F76CB2}"/>
-              </a:ext>
-            </a:extLst>
-          </p:cNvPr>
-          <p:cNvPicPr>
-            <a:picLocks noChangeAspect="1"/>
-          </p:cNvPicPr>
-          <p:nvPr/>
-        </p:nvPicPr>
-        <p:blipFill>
-          <a:blip r:embed="rId2"/>
-          <a:stretch>
-            <a:fillRect/>
-          </a:stretch>
-        </p:blipFill>
-        <p:spPr>
-          <a:xfrm>
-            <a:off x="838200" y="2590800"/>
-            <a:ext cx="8680450" cy="3611507"/>
-          </a:xfrm>
-          <a:prstGeom prst="rect">
-            <a:avLst/>
-          </a:prstGeom>
-        </p:spPr>
-      </p:pic>
-      <p:sp>
-        <p:nvSpPr>
-          <p:cNvPr id="5" name="矩形 4">
-            <a:extLst>
-              <a:ext uri="{FF2B5EF4-FFF2-40B4-BE49-F238E27FC236}">
-                <a16:creationId xmlns:a16="http://schemas.microsoft.com/office/drawing/2014/main" id="{DED71D2B-24EB-9C4A-9F6B-5ECEB45E26FF}"/>
-              </a:ext>
-            </a:extLst>
-          </p:cNvPr>
-          <p:cNvSpPr/>
-          <p:nvPr/>
-        </p:nvSpPr>
-        <p:spPr>
-          <a:xfrm>
-            <a:off x="838200" y="1771412"/>
-            <a:ext cx="3351623" cy="523220"/>
-          </a:xfrm>
-          <a:prstGeom prst="rect">
-            <a:avLst/>
-          </a:prstGeom>
-        </p:spPr>
-        <p:txBody>
-          <a:bodyPr wrap="none">
-            <a:spAutoFit/>
-          </a:bodyPr>
-          <a:lstStyle/>
-          <a:p>
-            <a:r>
-              <a:rPr lang="en-US" altLang="zh-CN" sz="2800" b="1" dirty="0">
-                <a:latin typeface="Calibri" panose="020F0502020204030204" pitchFamily="34" charset="0"/>
-              </a:rPr>
-              <a:t>Some useful macros: </a:t>
-            </a:r>
-            <a:endParaRPr lang="en-US" altLang="zh-CN" sz="2800" dirty="0">
-              <a:effectLst/>
-            </a:endParaRPr>
-          </a:p>
-        </p:txBody>
-      </p:sp>
-    </p:spTree>
-    <p:extLst>
-      <p:ext uri="{BB962C8B-B14F-4D97-AF65-F5344CB8AC3E}">
-        <p14:creationId xmlns:p14="http://schemas.microsoft.com/office/powerpoint/2010/main" val="2643125054"/>
-      </p:ext>
-    </p:extLst>
-  </p:cSld>
-  <p:clrMapOvr>
-    <a:masterClrMapping/>
-  </p:clrMapOvr>
-</p:sld>
-</file>
-
-<file path=ppt/slides/slide7.xml><?xml version="1.0" encoding="utf-8"?>
-<p:sld xmlns:a="http://schemas.openxmlformats.org/drawingml/2006/main" xmlns:r="http://schemas.openxmlformats.org/officeDocument/2006/relationships" xmlns:p="http://schemas.openxmlformats.org/presentationml/2006/main">
-  <p:cSld>
-    <p:bg>
-      <p:bgPr>
-        <a:solidFill>
-          <a:schemeClr val="bg1"/>
-        </a:solidFill>
-        <a:effectLst/>
-      </p:bgPr>
-    </p:bg>
-    <p:spTree>
-      <p:nvGrpSpPr>
-        <p:cNvPr id="1" name=""/>
-        <p:cNvGrpSpPr/>
-        <p:nvPr/>
-      </p:nvGrpSpPr>
-      <p:grpSpPr>
-        <a:xfrm>
-          <a:off x="0" y="0"/>
-          <a:ext cx="0" cy="0"/>
-          <a:chOff x="0" y="0"/>
-          <a:chExt cx="0" cy="0"/>
-        </a:xfrm>
-      </p:grpSpPr>
-      <p:sp>
-        <p:nvSpPr>
-          <p:cNvPr id="10" name="Rectangle 9">
-            <a:extLst>
-              <a:ext uri="{FF2B5EF4-FFF2-40B4-BE49-F238E27FC236}">
-                <a16:creationId xmlns:a16="http://schemas.microsoft.com/office/drawing/2014/main" id="{1707FC24-6981-43D9-B525-C7832BA22463}"/>
-              </a:ext>
-              <a:ext uri="{C183D7F6-B498-43B3-948B-1728B52AA6E4}">
-                <adec:decorative xmlns:adec="http://schemas.microsoft.com/office/drawing/2017/decorative" val="1"/>
-              </a:ext>
-            </a:extLst>
-          </p:cNvPr>
-          <p:cNvSpPr>
-            <a:spLocks noGrp="1" noRot="1" noChangeAspect="1" noMove="1" noResize="1" noEditPoints="1" noAdjustHandles="1" noChangeArrowheads="1" noChangeShapeType="1" noTextEdit="1"/>
-          </p:cNvSpPr>
-          <p:nvPr>
-            <p:extLst>
-              <p:ext uri="{386F3935-93C4-4BCD-93E2-E3B085C9AB24}">
-                <p16:designElem xmlns:p16="http://schemas.microsoft.com/office/powerpoint/2015/main" val="1"/>
-              </p:ext>
-            </p:extLst>
-          </p:nvPr>
-        </p:nvSpPr>
-        <p:spPr bwMode="ltGray">
-          <a:xfrm>
-            <a:off x="336884" y="311449"/>
-            <a:ext cx="4332307" cy="6179552"/>
-          </a:xfrm>
-          <a:prstGeom prst="rect">
-            <a:avLst/>
-          </a:prstGeom>
-          <a:solidFill>
-            <a:srgbClr val="404040"/>
-          </a:solidFill>
-          <a:ln w="127000" cap="sq" cmpd="thinThick">
-            <a:solidFill>
-              <a:srgbClr val="404040"/>
-            </a:solidFill>
-          </a:ln>
-        </p:spPr>
-        <p:style>
-          <a:lnRef idx="2">
-            <a:schemeClr val="accent1">
-              <a:shade val="50000"/>
-            </a:schemeClr>
-          </a:lnRef>
-          <a:fillRef idx="1">
-            <a:schemeClr val="accent1"/>
-          </a:fillRef>
-          <a:effectRef idx="0">
-            <a:schemeClr val="accent1"/>
-          </a:effectRef>
-          <a:fontRef idx="minor">
-            <a:schemeClr val="lt1"/>
-          </a:fontRef>
-        </p:style>
-        <p:txBody>
-          <a:bodyPr rtlCol="0" anchor="ctr"/>
-          <a:lstStyle/>
-          <a:p>
-            <a:pPr algn="ctr"/>
-            <a:endParaRPr lang="en-US"/>
-          </a:p>
-        </p:txBody>
-      </p:sp>
-      <p:sp>
-        <p:nvSpPr>
-          <p:cNvPr id="2" name="Title 1">
-            <a:extLst>
-              <a:ext uri="{FF2B5EF4-FFF2-40B4-BE49-F238E27FC236}">
-                <a16:creationId xmlns:a16="http://schemas.microsoft.com/office/drawing/2014/main" id="{45C79BA1-37A3-5741-B0A1-E64646E4283C}"/>
-              </a:ext>
-            </a:extLst>
-          </p:cNvPr>
-          <p:cNvSpPr>
-            <a:spLocks noGrp="1"/>
-          </p:cNvSpPr>
-          <p:nvPr>
-            <p:ph type="title"/>
-          </p:nvPr>
-        </p:nvSpPr>
-        <p:spPr>
-          <a:xfrm>
-            <a:off x="742950" y="742951"/>
-            <a:ext cx="3476625" cy="4962524"/>
-          </a:xfrm>
-        </p:spPr>
-        <p:txBody>
-          <a:bodyPr vert="horz" lIns="91440" tIns="45720" rIns="91440" bIns="45720" rtlCol="0" anchor="ctr">
-            <a:normAutofit/>
-          </a:bodyPr>
-          <a:lstStyle/>
-          <a:p>
-            <a:pPr algn="ctr"/>
-            <a:r>
-              <a:rPr lang="en-US" altLang="zh-CN" sz="4800" b="1" kern="1200" dirty="0">
-                <a:solidFill>
-                  <a:srgbClr val="FFFFFF"/>
-                </a:solidFill>
-                <a:latin typeface="+mj-lt"/>
-                <a:ea typeface="+mj-ea"/>
-                <a:cs typeface="+mj-cs"/>
-              </a:rPr>
-              <a:t>A2 Preparation: select()</a:t>
-            </a:r>
-            <a:endParaRPr lang="en-US" sz="4800" b="1" kern="1200" dirty="0">
-              <a:solidFill>
-                <a:srgbClr val="FFFFFF"/>
-              </a:solidFill>
-              <a:latin typeface="+mj-lt"/>
-              <a:ea typeface="+mj-ea"/>
-              <a:cs typeface="+mj-cs"/>
-            </a:endParaRPr>
-          </a:p>
-        </p:txBody>
-      </p:sp>
-      <p:pic>
-        <p:nvPicPr>
-          <p:cNvPr id="5" name="图片 4">
-            <a:extLst>
-              <a:ext uri="{FF2B5EF4-FFF2-40B4-BE49-F238E27FC236}">
-                <a16:creationId xmlns:a16="http://schemas.microsoft.com/office/drawing/2014/main" id="{ACA67BA4-99EE-0E47-8026-DB17C66F055C}"/>
-              </a:ext>
-            </a:extLst>
-          </p:cNvPr>
-          <p:cNvPicPr>
-            <a:picLocks noChangeAspect="1"/>
-          </p:cNvPicPr>
-          <p:nvPr/>
-        </p:nvPicPr>
-        <p:blipFill>
-          <a:blip r:embed="rId2"/>
-          <a:stretch>
-            <a:fillRect/>
-          </a:stretch>
-        </p:blipFill>
-        <p:spPr>
-          <a:xfrm>
-            <a:off x="6350637" y="-320228"/>
-            <a:ext cx="5173853" cy="7417713"/>
-          </a:xfrm>
-          <a:prstGeom prst="rect">
-            <a:avLst/>
-          </a:prstGeom>
-        </p:spPr>
-      </p:pic>
-    </p:spTree>
-    <p:extLst>
-      <p:ext uri="{BB962C8B-B14F-4D97-AF65-F5344CB8AC3E}">
-        <p14:creationId xmlns:p14="http://schemas.microsoft.com/office/powerpoint/2010/main" val="2375667277"/>
-      </p:ext>
-    </p:extLst>
-  </p:cSld>
-  <p:clrMapOvr>
-    <a:masterClrMapping/>
-  </p:clrMapOvr>
-</p:sld>
-</file>
-
-<file path=ppt/slides/slide8.xml><?xml version="1.0" encoding="utf-8"?>
-<p:sld xmlns:a="http://schemas.openxmlformats.org/drawingml/2006/main" xmlns:r="http://schemas.openxmlformats.org/officeDocument/2006/relationships" xmlns:p="http://schemas.openxmlformats.org/presentationml/2006/main">
-  <p:cSld>
-    <p:bg>
-      <p:bgPr>
-        <a:solidFill>
-          <a:schemeClr val="bg1"/>
-        </a:solidFill>
-        <a:effectLst/>
-      </p:bgPr>
-    </p:bg>
-    <p:spTree>
-      <p:nvGrpSpPr>
-        <p:cNvPr id="1" name=""/>
-        <p:cNvGrpSpPr/>
-        <p:nvPr/>
-      </p:nvGrpSpPr>
-      <p:grpSpPr>
-        <a:xfrm>
-          <a:off x="0" y="0"/>
-          <a:ext cx="0" cy="0"/>
-          <a:chOff x="0" y="0"/>
-          <a:chExt cx="0" cy="0"/>
-        </a:xfrm>
-      </p:grpSpPr>
-      <p:sp>
-        <p:nvSpPr>
-          <p:cNvPr id="2" name="Title 1">
-            <a:extLst>
-              <a:ext uri="{FF2B5EF4-FFF2-40B4-BE49-F238E27FC236}">
-                <a16:creationId xmlns:a16="http://schemas.microsoft.com/office/drawing/2014/main" id="{45C79BA1-37A3-5741-B0A1-E64646E4283C}"/>
-              </a:ext>
-            </a:extLst>
-          </p:cNvPr>
-          <p:cNvSpPr>
-            <a:spLocks noGrp="1"/>
-          </p:cNvSpPr>
-          <p:nvPr>
-            <p:ph type="title"/>
-          </p:nvPr>
-        </p:nvSpPr>
         <p:spPr>
           <a:xfrm>
             <a:off x="838199" y="291090"/>
@@ -6538,36 +4888,6 @@
           </a:p>
         </p:txBody>
       </p:sp>
-      <p:pic>
-        <p:nvPicPr>
-          <p:cNvPr id="7" name="图片 6">
-            <a:extLst>
-              <a:ext uri="{FF2B5EF4-FFF2-40B4-BE49-F238E27FC236}">
-                <a16:creationId xmlns:a16="http://schemas.microsoft.com/office/drawing/2014/main" id="{63A40565-D564-D443-82E0-A70E9618FA38}"/>
-              </a:ext>
-            </a:extLst>
-          </p:cNvPr>
-          <p:cNvPicPr>
-            <a:picLocks noChangeAspect="1"/>
-          </p:cNvPicPr>
-          <p:nvPr/>
-        </p:nvPicPr>
-        <p:blipFill>
-          <a:blip r:embed="rId2"/>
-          <a:stretch>
-            <a:fillRect/>
-          </a:stretch>
-        </p:blipFill>
-        <p:spPr>
-          <a:xfrm>
-            <a:off x="2599349" y="1863801"/>
-            <a:ext cx="6993301" cy="4440746"/>
-          </a:xfrm>
-          <a:prstGeom prst="rect">
-            <a:avLst/>
-          </a:prstGeom>
-        </p:spPr>
-      </p:pic>
       <p:sp>
         <p:nvSpPr>
           <p:cNvPr id="8" name="矩形 7">
@@ -6583,7 +4903,7 @@
         <p:spPr>
           <a:xfrm>
             <a:off x="923537" y="1465590"/>
-            <a:ext cx="10357451" cy="523220"/>
+            <a:ext cx="9593011" cy="523220"/>
           </a:xfrm>
           <a:prstGeom prst="rect">
             <a:avLst/>
@@ -6691,9 +5011,79 @@
           <a:p>
             <a:r>
               <a:rPr lang="en-US" altLang="zh-CN" sz="2800" b="1" dirty="0">
+                <a:effectLst/>
                 <a:latin typeface="Calibri" panose="020F0502020204030204" pitchFamily="34" charset="0"/>
               </a:rPr>
               <a:t>Step</a:t>
+            </a:r>
+            <a:r>
+              <a:rPr lang="zh-CN" altLang="en-US" sz="2800" b="1" dirty="0">
+                <a:effectLst/>
+                <a:latin typeface="Calibri" panose="020F0502020204030204" pitchFamily="34" charset="0"/>
+              </a:rPr>
+              <a:t> </a:t>
+            </a:r>
+            <a:r>
+              <a:rPr lang="en-US" altLang="zh-CN" sz="2800" b="1" dirty="0">
+                <a:effectLst/>
+                <a:latin typeface="Calibri" panose="020F0502020204030204" pitchFamily="34" charset="0"/>
+              </a:rPr>
+              <a:t>3:</a:t>
+            </a:r>
+            <a:r>
+              <a:rPr lang="zh-CN" altLang="en-US" sz="2800" b="1" dirty="0">
+                <a:effectLst/>
+                <a:latin typeface="Calibri" panose="020F0502020204030204" pitchFamily="34" charset="0"/>
+              </a:rPr>
+              <a:t> </a:t>
+            </a:r>
+            <a:r>
+              <a:rPr lang="en-US" altLang="zh-CN" sz="2800" b="1" dirty="0">
+                <a:effectLst/>
+                <a:latin typeface="Calibri" panose="020F0502020204030204" pitchFamily="34" charset="0"/>
+              </a:rPr>
+              <a:t>check</a:t>
+            </a:r>
+            <a:r>
+              <a:rPr lang="zh-CN" altLang="en-US" sz="2800" b="1" dirty="0">
+                <a:effectLst/>
+                <a:latin typeface="Calibri" panose="020F0502020204030204" pitchFamily="34" charset="0"/>
+              </a:rPr>
+              <a:t> </a:t>
+            </a:r>
+            <a:r>
+              <a:rPr lang="en-US" altLang="zh-CN" sz="2800" b="1" dirty="0">
+                <a:effectLst/>
+                <a:latin typeface="Calibri" panose="020F0502020204030204" pitchFamily="34" charset="0"/>
+              </a:rPr>
+              <a:t>socket</a:t>
+            </a:r>
+            <a:r>
+              <a:rPr lang="zh-CN" altLang="en-US" sz="2800" b="1" dirty="0">
+                <a:effectLst/>
+                <a:latin typeface="Calibri" panose="020F0502020204030204" pitchFamily="34" charset="0"/>
+              </a:rPr>
+              <a:t> </a:t>
+            </a:r>
+            <a:r>
+              <a:rPr lang="en-US" altLang="zh-CN" sz="2800" b="1" dirty="0">
+                <a:effectLst/>
+                <a:latin typeface="Calibri" panose="020F0502020204030204" pitchFamily="34" charset="0"/>
+              </a:rPr>
+              <a:t>status</a:t>
+            </a:r>
+            <a:r>
+              <a:rPr lang="zh-CN" altLang="en-US" sz="2800" b="1" dirty="0">
+                <a:effectLst/>
+                <a:latin typeface="Calibri" panose="020F0502020204030204" pitchFamily="34" charset="0"/>
+              </a:rPr>
+              <a:t> </a:t>
+            </a:r>
+            <a:r>
+              <a:rPr lang="en-US" altLang="zh-CN" sz="2800" b="1" dirty="0">
+                <a:latin typeface="Calibri" panose="020F0502020204030204" pitchFamily="34" charset="0"/>
+              </a:rPr>
+              <a:t>(for</a:t>
             </a:r>
             <a:r>
               <a:rPr lang="zh-CN" altLang="en-US" sz="2800" b="1" dirty="0">
@@ -6705,7 +5095,7 @@
               <a:rPr lang="en-US" altLang="zh-CN" sz="2800" b="1" dirty="0">
                 <a:latin typeface="Calibri" panose="020F0502020204030204" pitchFamily="34" charset="0"/>
               </a:rPr>
-              <a:t>1:</a:t>
+              <a:t>client</a:t>
             </a:r>
             <a:r>
               <a:rPr lang="zh-CN" altLang="en-US" sz="2800" b="1" dirty="0">
@@ -6717,7 +5107,7 @@
               <a:rPr lang="en-US" altLang="zh-CN" sz="2800" b="1" dirty="0">
                 <a:latin typeface="Calibri" panose="020F0502020204030204" pitchFamily="34" charset="0"/>
               </a:rPr>
-              <a:t>initialize(FD_ZERO)</a:t>
+              <a:t>socket)</a:t>
             </a:r>
             <a:r>
               <a:rPr lang="zh-CN" altLang="en-US" sz="2800" b="1" dirty="0">
@@ -6726,10 +5116,10 @@
               <a:t> </a:t>
             </a:r>
             <a:r>
-              <a:rPr lang="en-US" altLang="zh-CN" sz="2800" b="1" dirty="0" err="1">
+              <a:rPr lang="en-US" altLang="zh-CN" sz="2800" b="1" dirty="0">
                 <a:latin typeface="Calibri" panose="020F0502020204030204" pitchFamily="34" charset="0"/>
               </a:rPr>
-              <a:t>fd_set</a:t>
+              <a:t>and</a:t>
             </a:r>
             <a:r>
               <a:rPr lang="zh-CN" altLang="en-US" sz="2800" b="1" dirty="0">
@@ -6741,7 +5131,7 @@
               <a:rPr lang="en-US" altLang="zh-CN" sz="2800" b="1" dirty="0">
                 <a:latin typeface="Calibri" panose="020F0502020204030204" pitchFamily="34" charset="0"/>
               </a:rPr>
-              <a:t>and</a:t>
+              <a:t>do</a:t>
             </a:r>
             <a:r>
               <a:rPr lang="zh-CN" altLang="en-US" sz="2800" b="1" dirty="0">
@@ -6753,43 +5143,7 @@
               <a:rPr lang="en-US" altLang="zh-CN" sz="2800" b="1" dirty="0">
                 <a:latin typeface="Calibri" panose="020F0502020204030204" pitchFamily="34" charset="0"/>
               </a:rPr>
-              <a:t>set(FD_SET)</a:t>
-            </a:r>
-            <a:r>
-              <a:rPr lang="zh-CN" altLang="en-US" sz="2800" b="1" dirty="0">
-                <a:latin typeface="Calibri" panose="020F0502020204030204" pitchFamily="34" charset="0"/>
-              </a:rPr>
-              <a:t> </a:t>
-            </a:r>
-            <a:r>
-              <a:rPr lang="en-US" altLang="zh-CN" sz="2800" b="1" dirty="0" err="1">
-                <a:latin typeface="Calibri" panose="020F0502020204030204" pitchFamily="34" charset="0"/>
-              </a:rPr>
-              <a:t>fd_set</a:t>
-            </a:r>
-            <a:r>
-              <a:rPr lang="zh-CN" altLang="en-US" sz="2800" b="1" dirty="0">
-                <a:latin typeface="Calibri" panose="020F0502020204030204" pitchFamily="34" charset="0"/>
-              </a:rPr>
-              <a:t> </a:t>
-            </a:r>
-            <a:r>
-              <a:rPr lang="en-US" altLang="zh-CN" sz="2800" b="1" dirty="0">
-                <a:latin typeface="Calibri" panose="020F0502020204030204" pitchFamily="34" charset="0"/>
-              </a:rPr>
-              <a:t>for</a:t>
-            </a:r>
-            <a:r>
-              <a:rPr lang="zh-CN" altLang="en-US" sz="2800" b="1" dirty="0">
-                <a:latin typeface="Calibri" panose="020F0502020204030204" pitchFamily="34" charset="0"/>
-              </a:rPr>
-              <a:t> </a:t>
-            </a:r>
-            <a:r>
-              <a:rPr lang="en-US" altLang="zh-CN" sz="2800" b="1" dirty="0">
-                <a:latin typeface="Calibri" panose="020F0502020204030204" pitchFamily="34" charset="0"/>
-              </a:rPr>
-              <a:t>sockets </a:t>
+              <a:t>something</a:t>
             </a:r>
             <a:endParaRPr lang="en-US" altLang="zh-CN" sz="2800" dirty="0">
               <a:effectLst/>
@@ -6797,10 +5151,40 @@
           </a:p>
         </p:txBody>
       </p:sp>
+      <p:pic>
+        <p:nvPicPr>
+          <p:cNvPr id="4" name="图片 3">
+            <a:extLst>
+              <a:ext uri="{FF2B5EF4-FFF2-40B4-BE49-F238E27FC236}">
+                <a16:creationId xmlns:a16="http://schemas.microsoft.com/office/drawing/2014/main" id="{27A8F3F8-3E6F-B04D-9261-0A9C4BEBC52F}"/>
+              </a:ext>
+            </a:extLst>
+          </p:cNvPr>
+          <p:cNvPicPr>
+            <a:picLocks noChangeAspect="1"/>
+          </p:cNvPicPr>
+          <p:nvPr/>
+        </p:nvPicPr>
+        <p:blipFill>
+          <a:blip r:embed="rId2"/>
+          <a:stretch>
+            <a:fillRect/>
+          </a:stretch>
+        </p:blipFill>
+        <p:spPr>
+          <a:xfrm>
+            <a:off x="2589995" y="2107208"/>
+            <a:ext cx="6287305" cy="4213921"/>
+          </a:xfrm>
+          <a:prstGeom prst="rect">
+            <a:avLst/>
+          </a:prstGeom>
+        </p:spPr>
+      </p:pic>
     </p:spTree>
     <p:extLst>
       <p:ext uri="{BB962C8B-B14F-4D97-AF65-F5344CB8AC3E}">
-        <p14:creationId xmlns:p14="http://schemas.microsoft.com/office/powerpoint/2010/main" val="3240555615"/>
+        <p14:creationId xmlns:p14="http://schemas.microsoft.com/office/powerpoint/2010/main" val="1838875602"/>
       </p:ext>
     </p:extLst>
   </p:cSld>
@@ -6810,7 +5194,7 @@
 </p:sld>
 </file>
 
-<file path=ppt/slides/slide9.xml><?xml version="1.0" encoding="utf-8"?>
+<file path=ppt/slides/slide13.xml><?xml version="1.0" encoding="utf-8"?>
 <p:sld xmlns:a="http://schemas.openxmlformats.org/drawingml/2006/main" xmlns:r="http://schemas.openxmlformats.org/officeDocument/2006/relationships" xmlns:p="http://schemas.openxmlformats.org/presentationml/2006/main">
   <p:cSld>
     <p:spTree>
@@ -6843,6 +5227,2048 @@
             <p:ph type="title"/>
           </p:nvPr>
         </p:nvSpPr>
+        <p:spPr/>
+        <p:txBody>
+          <a:bodyPr/>
+          <a:lstStyle/>
+          <a:p>
+            <a:r>
+              <a:rPr lang="en-US" altLang="zh-CN" b="1" dirty="0"/>
+              <a:t>Select</a:t>
+            </a:r>
+            <a:r>
+              <a:rPr lang="en-US" b="1" dirty="0"/>
+              <a:t> Programming: A Demo</a:t>
+            </a:r>
+          </a:p>
+        </p:txBody>
+      </p:sp>
+      <p:sp>
+        <p:nvSpPr>
+          <p:cNvPr id="3" name="Content Placeholder 2">
+            <a:extLst>
+              <a:ext uri="{FF2B5EF4-FFF2-40B4-BE49-F238E27FC236}">
+                <a16:creationId xmlns:a16="http://schemas.microsoft.com/office/drawing/2014/main" id="{8F20472D-613F-3748-9CBD-88055CDB4B08}"/>
+              </a:ext>
+            </a:extLst>
+          </p:cNvPr>
+          <p:cNvSpPr>
+            <a:spLocks noGrp="1"/>
+          </p:cNvSpPr>
+          <p:nvPr>
+            <p:ph idx="1"/>
+          </p:nvPr>
+        </p:nvSpPr>
+        <p:spPr>
+          <a:xfrm>
+            <a:off x="838200" y="1825625"/>
+            <a:ext cx="10515600" cy="2143548"/>
+          </a:xfrm>
+        </p:spPr>
+        <p:txBody>
+          <a:bodyPr>
+            <a:normAutofit/>
+          </a:bodyPr>
+          <a:lstStyle/>
+          <a:p>
+            <a:r>
+              <a:rPr lang="en-US" altLang="zh-CN" dirty="0"/>
+              <a:t>Select</a:t>
+            </a:r>
+            <a:r>
+              <a:rPr lang="zh-CN" altLang="en-US" dirty="0"/>
+              <a:t> </a:t>
+            </a:r>
+            <a:r>
+              <a:rPr lang="en-US" altLang="zh-CN" dirty="0"/>
+              <a:t>example</a:t>
+            </a:r>
+            <a:r>
+              <a:rPr lang="zh-CN" altLang="en-US" dirty="0"/>
+              <a:t> </a:t>
+            </a:r>
+            <a:r>
+              <a:rPr lang="en-US" altLang="zh-CN" dirty="0"/>
+              <a:t>code:</a:t>
+            </a:r>
+            <a:r>
+              <a:rPr lang="zh-CN" altLang="en-US" dirty="0"/>
+              <a:t> </a:t>
+            </a:r>
+            <a:r>
+              <a:rPr lang="en-US" altLang="zh-CN" dirty="0">
+                <a:hlinkClick r:id="rId2"/>
+              </a:rPr>
+              <a:t>echo</a:t>
+            </a:r>
+            <a:r>
+              <a:rPr lang="zh-CN" altLang="en-US" dirty="0">
+                <a:hlinkClick r:id="rId2"/>
+              </a:rPr>
+              <a:t> </a:t>
+            </a:r>
+            <a:r>
+              <a:rPr lang="en-US" altLang="zh-CN" dirty="0">
+                <a:hlinkClick r:id="rId2"/>
+              </a:rPr>
+              <a:t>server</a:t>
+            </a:r>
+            <a:endParaRPr lang="en-US" altLang="zh-CN" dirty="0"/>
+          </a:p>
+          <a:p>
+            <a:r>
+              <a:rPr lang="en-HK" dirty="0"/>
+              <a:t>Linux or Mac OS.</a:t>
+            </a:r>
+          </a:p>
+          <a:p>
+            <a:r>
+              <a:rPr lang="en-US" altLang="zh-CN" dirty="0"/>
+              <a:t>You</a:t>
+            </a:r>
+            <a:r>
+              <a:rPr lang="zh-CN" altLang="en-US" dirty="0"/>
+              <a:t> </a:t>
+            </a:r>
+            <a:r>
+              <a:rPr lang="en-US" altLang="zh-CN" dirty="0"/>
+              <a:t>can</a:t>
+            </a:r>
+            <a:r>
+              <a:rPr lang="zh-CN" altLang="en-US" dirty="0"/>
+              <a:t> </a:t>
+            </a:r>
+            <a:r>
+              <a:rPr lang="en-US" altLang="zh-CN" dirty="0"/>
+              <a:t>use</a:t>
+            </a:r>
+            <a:r>
+              <a:rPr lang="zh-CN" altLang="en-US" dirty="0"/>
+              <a:t> </a:t>
+            </a:r>
+            <a:r>
+              <a:rPr lang="en-US" altLang="zh-CN" dirty="0" err="1"/>
+              <a:t>netcat</a:t>
+            </a:r>
+            <a:r>
+              <a:rPr lang="zh-CN" altLang="en-US" dirty="0"/>
+              <a:t> </a:t>
+            </a:r>
+            <a:r>
+              <a:rPr lang="en-US" altLang="zh-CN" dirty="0"/>
+              <a:t>(“</a:t>
+            </a:r>
+            <a:r>
+              <a:rPr lang="en-US" altLang="zh-CN" dirty="0" err="1"/>
+              <a:t>nc</a:t>
+            </a:r>
+            <a:r>
+              <a:rPr lang="en-US" altLang="zh-CN" dirty="0"/>
+              <a:t>”</a:t>
+            </a:r>
+            <a:r>
+              <a:rPr lang="zh-CN" altLang="en-US" dirty="0"/>
+              <a:t> </a:t>
+            </a:r>
+            <a:r>
+              <a:rPr lang="en-US" altLang="zh-CN" dirty="0"/>
+              <a:t>in</a:t>
+            </a:r>
+            <a:r>
+              <a:rPr lang="zh-CN" altLang="en-US" dirty="0"/>
+              <a:t> </a:t>
+            </a:r>
+            <a:r>
+              <a:rPr lang="en-US" altLang="zh-CN" dirty="0"/>
+              <a:t>command</a:t>
+            </a:r>
+            <a:r>
+              <a:rPr lang="zh-CN" altLang="en-US" dirty="0"/>
+              <a:t> </a:t>
+            </a:r>
+            <a:r>
+              <a:rPr lang="en-US" altLang="zh-CN" dirty="0"/>
+              <a:t>line)</a:t>
+            </a:r>
+            <a:r>
+              <a:rPr lang="zh-CN" altLang="en-US" dirty="0"/>
+              <a:t> </a:t>
+            </a:r>
+            <a:r>
+              <a:rPr lang="en-US" altLang="zh-CN" dirty="0"/>
+              <a:t>to</a:t>
+            </a:r>
+            <a:r>
+              <a:rPr lang="zh-CN" altLang="en-US" dirty="0"/>
+              <a:t> </a:t>
+            </a:r>
+            <a:r>
+              <a:rPr lang="en-US" altLang="zh-CN" dirty="0"/>
+              <a:t>communicate</a:t>
+            </a:r>
+            <a:r>
+              <a:rPr lang="zh-CN" altLang="en-US" dirty="0"/>
+              <a:t> </a:t>
+            </a:r>
+            <a:r>
+              <a:rPr lang="en-US" altLang="zh-CN" dirty="0"/>
+              <a:t>with</a:t>
+            </a:r>
+            <a:r>
+              <a:rPr lang="zh-CN" altLang="en-US" dirty="0"/>
+              <a:t> </a:t>
+            </a:r>
+            <a:r>
+              <a:rPr lang="en-US" altLang="zh-CN" dirty="0"/>
+              <a:t>the</a:t>
+            </a:r>
+            <a:r>
+              <a:rPr lang="zh-CN" altLang="en-US" dirty="0"/>
+              <a:t> </a:t>
+            </a:r>
+            <a:r>
+              <a:rPr lang="en-US" altLang="zh-CN" dirty="0"/>
+              <a:t>“echo</a:t>
+            </a:r>
+            <a:r>
+              <a:rPr lang="zh-CN" altLang="en-US" dirty="0"/>
+              <a:t> </a:t>
+            </a:r>
+            <a:r>
+              <a:rPr lang="en-US" altLang="zh-CN"/>
+              <a:t>server”.</a:t>
+            </a:r>
+            <a:endParaRPr lang="en-HK" dirty="0"/>
+          </a:p>
+        </p:txBody>
+      </p:sp>
+    </p:spTree>
+    <p:extLst>
+      <p:ext uri="{BB962C8B-B14F-4D97-AF65-F5344CB8AC3E}">
+        <p14:creationId xmlns:p14="http://schemas.microsoft.com/office/powerpoint/2010/main" val="1871005255"/>
+      </p:ext>
+    </p:extLst>
+  </p:cSld>
+  <p:clrMapOvr>
+    <a:masterClrMapping/>
+  </p:clrMapOvr>
+</p:sld>
+</file>
+
+<file path=ppt/slides/slide14.xml><?xml version="1.0" encoding="utf-8"?>
+<p:sld xmlns:a="http://schemas.openxmlformats.org/drawingml/2006/main" xmlns:r="http://schemas.openxmlformats.org/officeDocument/2006/relationships" xmlns:p="http://schemas.openxmlformats.org/presentationml/2006/main">
+  <p:cSld>
+    <p:spTree>
+      <p:nvGrpSpPr>
+        <p:cNvPr id="1" name=""/>
+        <p:cNvGrpSpPr/>
+        <p:nvPr/>
+      </p:nvGrpSpPr>
+      <p:grpSpPr>
+        <a:xfrm>
+          <a:off x="0" y="0"/>
+          <a:ext cx="0" cy="0"/>
+          <a:chOff x="0" y="0"/>
+          <a:chExt cx="0" cy="0"/>
+        </a:xfrm>
+      </p:grpSpPr>
+      <p:sp>
+        <p:nvSpPr>
+          <p:cNvPr id="2" name="Title 1">
+            <a:extLst>
+              <a:ext uri="{FF2B5EF4-FFF2-40B4-BE49-F238E27FC236}">
+                <a16:creationId xmlns:a16="http://schemas.microsoft.com/office/drawing/2014/main" id="{45C79BA1-37A3-5741-B0A1-E64646E4283C}"/>
+              </a:ext>
+            </a:extLst>
+          </p:cNvPr>
+          <p:cNvSpPr>
+            <a:spLocks noGrp="1"/>
+          </p:cNvSpPr>
+          <p:nvPr>
+            <p:ph type="title"/>
+          </p:nvPr>
+        </p:nvSpPr>
+        <p:spPr/>
+        <p:txBody>
+          <a:bodyPr/>
+          <a:lstStyle/>
+          <a:p>
+            <a:r>
+              <a:rPr lang="en-US" b="1" dirty="0"/>
+              <a:t>S</a:t>
+            </a:r>
+            <a:r>
+              <a:rPr lang="en-US" altLang="zh-CN" b="1" dirty="0"/>
+              <a:t>elect</a:t>
+            </a:r>
+            <a:r>
+              <a:rPr lang="en-US" b="1" dirty="0"/>
+              <a:t> Programming</a:t>
+            </a:r>
+            <a:r>
+              <a:rPr lang="zh-CN" altLang="en-US" b="1" dirty="0"/>
+              <a:t> </a:t>
+            </a:r>
+            <a:r>
+              <a:rPr lang="en-US" altLang="zh-CN" b="1" dirty="0"/>
+              <a:t>Links</a:t>
+            </a:r>
+            <a:endParaRPr lang="en-US" b="1" dirty="0"/>
+          </a:p>
+        </p:txBody>
+      </p:sp>
+      <p:sp>
+        <p:nvSpPr>
+          <p:cNvPr id="3" name="Content Placeholder 2">
+            <a:extLst>
+              <a:ext uri="{FF2B5EF4-FFF2-40B4-BE49-F238E27FC236}">
+                <a16:creationId xmlns:a16="http://schemas.microsoft.com/office/drawing/2014/main" id="{8F20472D-613F-3748-9CBD-88055CDB4B08}"/>
+              </a:ext>
+            </a:extLst>
+          </p:cNvPr>
+          <p:cNvSpPr>
+            <a:spLocks noGrp="1"/>
+          </p:cNvSpPr>
+          <p:nvPr>
+            <p:ph idx="1"/>
+          </p:nvPr>
+        </p:nvSpPr>
+        <p:spPr>
+          <a:xfrm>
+            <a:off x="838200" y="1825625"/>
+            <a:ext cx="10515600" cy="3007632"/>
+          </a:xfrm>
+        </p:spPr>
+        <p:txBody>
+          <a:bodyPr>
+            <a:normAutofit lnSpcReduction="10000"/>
+          </a:bodyPr>
+          <a:lstStyle/>
+          <a:p>
+            <a:r>
+              <a:rPr lang="en-US" altLang="zh-CN" dirty="0"/>
+              <a:t>“s</a:t>
+            </a:r>
+            <a:r>
+              <a:rPr lang="en-HK" dirty="0"/>
+              <a:t>elect</a:t>
+            </a:r>
+            <a:r>
+              <a:rPr lang="en-US" altLang="zh-CN" dirty="0"/>
+              <a:t>”</a:t>
+            </a:r>
+            <a:r>
+              <a:rPr lang="en-HK" dirty="0"/>
+              <a:t> document:</a:t>
+            </a:r>
+            <a:r>
+              <a:rPr lang="zh-CN" altLang="en-US" dirty="0"/>
+              <a:t> </a:t>
+            </a:r>
+            <a:endParaRPr lang="en-US" altLang="zh-CN" dirty="0"/>
+          </a:p>
+          <a:p>
+            <a:pPr lvl="1"/>
+            <a:r>
+              <a:rPr lang="en-HK" altLang="zh-CN" dirty="0">
+                <a:hlinkClick r:id="rId2"/>
+              </a:rPr>
+              <a:t>https://man7.org/</a:t>
+            </a:r>
+            <a:r>
+              <a:rPr lang="en-HK" altLang="zh-CN" dirty="0" err="1">
+                <a:hlinkClick r:id="rId2"/>
+              </a:rPr>
+              <a:t>linux</a:t>
+            </a:r>
+            <a:r>
+              <a:rPr lang="en-HK" altLang="zh-CN" dirty="0">
+                <a:hlinkClick r:id="rId2"/>
+              </a:rPr>
+              <a:t>/man-pages/man2/select.2.html</a:t>
+            </a:r>
+            <a:endParaRPr lang="en-HK" dirty="0"/>
+          </a:p>
+          <a:p>
+            <a:r>
+              <a:rPr lang="en-US" altLang="zh-CN" dirty="0"/>
+              <a:t>“select”</a:t>
+            </a:r>
+            <a:r>
+              <a:rPr lang="zh-CN" altLang="en-US" dirty="0"/>
+              <a:t> </a:t>
+            </a:r>
+            <a:r>
+              <a:rPr lang="en-US" altLang="zh-CN" dirty="0"/>
+              <a:t>code</a:t>
+            </a:r>
+            <a:r>
+              <a:rPr lang="zh-CN" altLang="en-US" dirty="0"/>
+              <a:t> </a:t>
+            </a:r>
+            <a:r>
+              <a:rPr lang="en-US" altLang="zh-CN" dirty="0"/>
+              <a:t>example:</a:t>
+            </a:r>
+          </a:p>
+          <a:p>
+            <a:pPr lvl="1"/>
+            <a:r>
+              <a:rPr lang="en-US" altLang="zh-CN" dirty="0">
+                <a:hlinkClick r:id="rId3"/>
+              </a:rPr>
+              <a:t>https://</a:t>
+            </a:r>
+            <a:r>
+              <a:rPr lang="en-US" altLang="zh-CN" dirty="0" err="1">
+                <a:hlinkClick r:id="rId3"/>
+              </a:rPr>
+              <a:t>github.com</a:t>
+            </a:r>
+            <a:r>
+              <a:rPr lang="en-US" altLang="zh-CN" dirty="0">
+                <a:hlinkClick r:id="rId3"/>
+              </a:rPr>
+              <a:t>/</a:t>
+            </a:r>
+            <a:r>
+              <a:rPr lang="en-US" altLang="zh-CN" dirty="0" err="1">
+                <a:hlinkClick r:id="rId3"/>
+              </a:rPr>
+              <a:t>henryhxu</a:t>
+            </a:r>
+            <a:r>
+              <a:rPr lang="en-US" altLang="zh-CN" dirty="0">
+                <a:hlinkClick r:id="rId3"/>
+              </a:rPr>
+              <a:t>/CSCI4430-ESTR4120/tree/2022_spring/tutorial/T04/</a:t>
+            </a:r>
+            <a:r>
+              <a:rPr lang="en-US" altLang="zh-CN" dirty="0" err="1">
+                <a:hlinkClick r:id="rId3"/>
+              </a:rPr>
+              <a:t>select_example</a:t>
+            </a:r>
+            <a:endParaRPr lang="en-HK" dirty="0"/>
+          </a:p>
+          <a:p>
+            <a:r>
+              <a:rPr lang="en-HK" dirty="0"/>
+              <a:t>man is always your good friend</a:t>
+            </a:r>
+          </a:p>
+          <a:p>
+            <a:pPr lvl="1"/>
+            <a:r>
+              <a:rPr lang="en-US" altLang="zh-CN" sz="2800" dirty="0"/>
+              <a:t>“</a:t>
+            </a:r>
+            <a:r>
+              <a:rPr lang="en-HK" sz="2800" dirty="0"/>
+              <a:t>man s</a:t>
+            </a:r>
+            <a:r>
+              <a:rPr lang="en-US" altLang="zh-CN" sz="2800" dirty="0"/>
+              <a:t>elect”</a:t>
+            </a:r>
+            <a:r>
+              <a:rPr lang="zh-CN" altLang="en-US" sz="2800" dirty="0"/>
+              <a:t> </a:t>
+            </a:r>
+            <a:r>
+              <a:rPr lang="en-US" altLang="zh-CN" sz="2800" dirty="0"/>
+              <a:t>for</a:t>
+            </a:r>
+            <a:r>
+              <a:rPr lang="zh-CN" altLang="en-US" sz="2800" dirty="0"/>
+              <a:t> </a:t>
+            </a:r>
+            <a:r>
+              <a:rPr lang="en-US" altLang="zh-CN" sz="2800" dirty="0"/>
+              <a:t>checking</a:t>
+            </a:r>
+            <a:r>
+              <a:rPr lang="zh-CN" altLang="en-US" sz="2800" dirty="0"/>
+              <a:t> </a:t>
+            </a:r>
+            <a:r>
+              <a:rPr lang="en-US" altLang="zh-CN" sz="2800" dirty="0"/>
+              <a:t>more</a:t>
+            </a:r>
+            <a:r>
+              <a:rPr lang="zh-CN" altLang="en-US" sz="2800" dirty="0"/>
+              <a:t> </a:t>
+            </a:r>
+            <a:r>
+              <a:rPr lang="en-US" altLang="zh-CN" sz="2800" dirty="0"/>
+              <a:t>details</a:t>
+            </a:r>
+            <a:r>
+              <a:rPr lang="zh-CN" altLang="en-US" sz="2800" dirty="0"/>
+              <a:t> </a:t>
+            </a:r>
+            <a:r>
+              <a:rPr lang="en-US" altLang="zh-CN" sz="2800" dirty="0"/>
+              <a:t>about</a:t>
+            </a:r>
+            <a:r>
+              <a:rPr lang="zh-CN" altLang="en-US" sz="2800" dirty="0"/>
+              <a:t> </a:t>
+            </a:r>
+            <a:r>
+              <a:rPr lang="en-US" altLang="zh-CN" sz="2800" dirty="0"/>
+              <a:t>select</a:t>
+            </a:r>
+            <a:endParaRPr lang="en-HK" dirty="0"/>
+          </a:p>
+          <a:p>
+            <a:endParaRPr lang="en-HK" dirty="0"/>
+          </a:p>
+        </p:txBody>
+      </p:sp>
+    </p:spTree>
+    <p:extLst>
+      <p:ext uri="{BB962C8B-B14F-4D97-AF65-F5344CB8AC3E}">
+        <p14:creationId xmlns:p14="http://schemas.microsoft.com/office/powerpoint/2010/main" val="616564471"/>
+      </p:ext>
+    </p:extLst>
+  </p:cSld>
+  <p:clrMapOvr>
+    <a:masterClrMapping/>
+  </p:clrMapOvr>
+</p:sld>
+</file>
+
+<file path=ppt/slides/slide15.xml><?xml version="1.0" encoding="utf-8"?>
+<p:sld xmlns:a="http://schemas.openxmlformats.org/drawingml/2006/main" xmlns:r="http://schemas.openxmlformats.org/officeDocument/2006/relationships" xmlns:p="http://schemas.openxmlformats.org/presentationml/2006/main">
+  <p:cSld>
+    <p:spTree>
+      <p:nvGrpSpPr>
+        <p:cNvPr id="1" name=""/>
+        <p:cNvGrpSpPr/>
+        <p:nvPr/>
+      </p:nvGrpSpPr>
+      <p:grpSpPr>
+        <a:xfrm>
+          <a:off x="0" y="0"/>
+          <a:ext cx="0" cy="0"/>
+          <a:chOff x="0" y="0"/>
+          <a:chExt cx="0" cy="0"/>
+        </a:xfrm>
+      </p:grpSpPr>
+      <p:sp>
+        <p:nvSpPr>
+          <p:cNvPr id="4" name="Rectangle 3">
+            <a:extLst>
+              <a:ext uri="{FF2B5EF4-FFF2-40B4-BE49-F238E27FC236}">
+                <a16:creationId xmlns:a16="http://schemas.microsoft.com/office/drawing/2014/main" id="{A8D2CAE8-E323-A14E-A62F-188A25405FEA}"/>
+              </a:ext>
+            </a:extLst>
+          </p:cNvPr>
+          <p:cNvSpPr/>
+          <p:nvPr/>
+        </p:nvSpPr>
+        <p:spPr>
+          <a:xfrm>
+            <a:off x="5350732" y="3136612"/>
+            <a:ext cx="1490536" cy="584775"/>
+          </a:xfrm>
+          <a:prstGeom prst="rect">
+            <a:avLst/>
+          </a:prstGeom>
+        </p:spPr>
+        <p:txBody>
+          <a:bodyPr wrap="none">
+            <a:spAutoFit/>
+          </a:bodyPr>
+          <a:lstStyle/>
+          <a:p>
+            <a:r>
+              <a:rPr lang="en-US" sz="3200" dirty="0"/>
+              <a:t>Thanks!</a:t>
+            </a:r>
+          </a:p>
+        </p:txBody>
+      </p:sp>
+    </p:spTree>
+    <p:extLst>
+      <p:ext uri="{BB962C8B-B14F-4D97-AF65-F5344CB8AC3E}">
+        <p14:creationId xmlns:p14="http://schemas.microsoft.com/office/powerpoint/2010/main" val="3216618933"/>
+      </p:ext>
+    </p:extLst>
+  </p:cSld>
+  <p:clrMapOvr>
+    <a:masterClrMapping/>
+  </p:clrMapOvr>
+</p:sld>
+</file>
+
+<file path=ppt/slides/slide2.xml><?xml version="1.0" encoding="utf-8"?>
+<p:sld xmlns:a="http://schemas.openxmlformats.org/drawingml/2006/main" xmlns:r="http://schemas.openxmlformats.org/officeDocument/2006/relationships" xmlns:p="http://schemas.openxmlformats.org/presentationml/2006/main">
+  <p:cSld>
+    <p:spTree>
+      <p:nvGrpSpPr>
+        <p:cNvPr id="1" name=""/>
+        <p:cNvGrpSpPr/>
+        <p:nvPr/>
+      </p:nvGrpSpPr>
+      <p:grpSpPr>
+        <a:xfrm>
+          <a:off x="0" y="0"/>
+          <a:ext cx="0" cy="0"/>
+          <a:chOff x="0" y="0"/>
+          <a:chExt cx="0" cy="0"/>
+        </a:xfrm>
+      </p:grpSpPr>
+      <p:sp>
+        <p:nvSpPr>
+          <p:cNvPr id="2" name="Title 1">
+            <a:extLst>
+              <a:ext uri="{FF2B5EF4-FFF2-40B4-BE49-F238E27FC236}">
+                <a16:creationId xmlns:a16="http://schemas.microsoft.com/office/drawing/2014/main" id="{45C79BA1-37A3-5741-B0A1-E64646E4283C}"/>
+              </a:ext>
+            </a:extLst>
+          </p:cNvPr>
+          <p:cNvSpPr>
+            <a:spLocks noGrp="1"/>
+          </p:cNvSpPr>
+          <p:nvPr>
+            <p:ph type="title"/>
+          </p:nvPr>
+        </p:nvSpPr>
+        <p:spPr/>
+        <p:txBody>
+          <a:bodyPr/>
+          <a:lstStyle/>
+          <a:p>
+            <a:r>
+              <a:rPr lang="en-US" b="1" dirty="0"/>
+              <a:t>Assignment </a:t>
+            </a:r>
+            <a:r>
+              <a:rPr lang="en-US" altLang="zh-CN" b="1" dirty="0"/>
+              <a:t>2</a:t>
+            </a:r>
+            <a:r>
+              <a:rPr lang="en-US" b="1" dirty="0"/>
+              <a:t> is out!</a:t>
+            </a:r>
+          </a:p>
+        </p:txBody>
+      </p:sp>
+      <p:sp>
+        <p:nvSpPr>
+          <p:cNvPr id="3" name="Content Placeholder 2">
+            <a:extLst>
+              <a:ext uri="{FF2B5EF4-FFF2-40B4-BE49-F238E27FC236}">
+                <a16:creationId xmlns:a16="http://schemas.microsoft.com/office/drawing/2014/main" id="{8F20472D-613F-3748-9CBD-88055CDB4B08}"/>
+              </a:ext>
+            </a:extLst>
+          </p:cNvPr>
+          <p:cNvSpPr>
+            <a:spLocks noGrp="1"/>
+          </p:cNvSpPr>
+          <p:nvPr>
+            <p:ph idx="1"/>
+          </p:nvPr>
+        </p:nvSpPr>
+        <p:spPr/>
+        <p:txBody>
+          <a:bodyPr vert="horz" lIns="91440" tIns="45720" rIns="91440" bIns="45720" rtlCol="0" anchor="t">
+            <a:normAutofit/>
+          </a:bodyPr>
+          <a:lstStyle/>
+          <a:p>
+            <a:r>
+              <a:rPr lang="en-US" sz="3200" dirty="0"/>
+              <a:t>Due: S</a:t>
+            </a:r>
+            <a:r>
+              <a:rPr lang="en-US" altLang="zh-CN" sz="3200" dirty="0"/>
+              <a:t>un</a:t>
+            </a:r>
+            <a:r>
+              <a:rPr lang="en-US" sz="3200" dirty="0"/>
+              <a:t>, 2</a:t>
+            </a:r>
+            <a:r>
+              <a:rPr lang="en-US" altLang="zh-CN" sz="3200" dirty="0"/>
+              <a:t>7</a:t>
+            </a:r>
+            <a:r>
+              <a:rPr lang="en-US" sz="3200" dirty="0"/>
+              <a:t> </a:t>
+            </a:r>
+            <a:r>
+              <a:rPr lang="en-US" altLang="zh-CN" sz="3200" dirty="0"/>
+              <a:t>Fe</a:t>
+            </a:r>
+            <a:r>
+              <a:rPr lang="en-US" sz="3200" dirty="0"/>
+              <a:t>b. 11:59 p.m.</a:t>
+            </a:r>
+          </a:p>
+          <a:p>
+            <a:r>
+              <a:rPr lang="en-US" altLang="zh-CN" sz="3200" dirty="0"/>
+              <a:t>Use</a:t>
+            </a:r>
+            <a:r>
+              <a:rPr lang="zh-CN" altLang="en-US" sz="3200" dirty="0"/>
+              <a:t> </a:t>
+            </a:r>
+            <a:r>
+              <a:rPr lang="en-US" altLang="zh-CN" sz="3200" dirty="0"/>
+              <a:t>“select”</a:t>
+            </a:r>
+            <a:r>
+              <a:rPr lang="zh-CN" altLang="en-US" sz="3200" dirty="0"/>
+              <a:t> </a:t>
+            </a:r>
+            <a:r>
+              <a:rPr lang="en-US" altLang="zh-CN" sz="3200" dirty="0"/>
+              <a:t>to</a:t>
+            </a:r>
+            <a:r>
+              <a:rPr lang="zh-CN" altLang="en-US" sz="3200" dirty="0"/>
+              <a:t> </a:t>
+            </a:r>
+            <a:r>
+              <a:rPr lang="en-US" altLang="zh-CN" sz="3200" dirty="0"/>
+              <a:t>handle</a:t>
+            </a:r>
+            <a:r>
+              <a:rPr lang="zh-CN" altLang="en-US" sz="3200" dirty="0"/>
+              <a:t> </a:t>
+            </a:r>
+            <a:r>
+              <a:rPr lang="en-US" altLang="zh-CN" sz="3200" dirty="0"/>
+              <a:t>multi-connection</a:t>
+            </a:r>
+            <a:r>
+              <a:rPr lang="zh-CN" altLang="en-US" sz="3200" dirty="0"/>
+              <a:t> </a:t>
+            </a:r>
+            <a:r>
+              <a:rPr lang="en-US" altLang="zh-CN" sz="3200" dirty="0"/>
+              <a:t>programming</a:t>
+            </a:r>
+            <a:endParaRPr lang="en-US" sz="3200" dirty="0"/>
+          </a:p>
+          <a:p>
+            <a:r>
+              <a:rPr lang="en-US" sz="3200" dirty="0"/>
+              <a:t>START EARLY!</a:t>
+            </a:r>
+            <a:endParaRPr lang="en-US" sz="3200" dirty="0">
+              <a:cs typeface="Calibri"/>
+            </a:endParaRPr>
+          </a:p>
+        </p:txBody>
+      </p:sp>
+    </p:spTree>
+    <p:extLst>
+      <p:ext uri="{BB962C8B-B14F-4D97-AF65-F5344CB8AC3E}">
+        <p14:creationId xmlns:p14="http://schemas.microsoft.com/office/powerpoint/2010/main" val="1947847713"/>
+      </p:ext>
+    </p:extLst>
+  </p:cSld>
+  <p:clrMapOvr>
+    <a:masterClrMapping/>
+  </p:clrMapOvr>
+</p:sld>
+</file>
+
+<file path=ppt/slides/slide3.xml><?xml version="1.0" encoding="utf-8"?>
+<p:sld xmlns:a="http://schemas.openxmlformats.org/drawingml/2006/main" xmlns:r="http://schemas.openxmlformats.org/officeDocument/2006/relationships" xmlns:p="http://schemas.openxmlformats.org/presentationml/2006/main">
+  <p:cSld>
+    <p:spTree>
+      <p:nvGrpSpPr>
+        <p:cNvPr id="1" name=""/>
+        <p:cNvGrpSpPr/>
+        <p:nvPr/>
+      </p:nvGrpSpPr>
+      <p:grpSpPr>
+        <a:xfrm>
+          <a:off x="0" y="0"/>
+          <a:ext cx="0" cy="0"/>
+          <a:chOff x="0" y="0"/>
+          <a:chExt cx="0" cy="0"/>
+        </a:xfrm>
+      </p:grpSpPr>
+      <p:sp>
+        <p:nvSpPr>
+          <p:cNvPr id="2" name="Title 1">
+            <a:extLst>
+              <a:ext uri="{FF2B5EF4-FFF2-40B4-BE49-F238E27FC236}">
+                <a16:creationId xmlns:a16="http://schemas.microsoft.com/office/drawing/2014/main" id="{45C79BA1-37A3-5741-B0A1-E64646E4283C}"/>
+              </a:ext>
+            </a:extLst>
+          </p:cNvPr>
+          <p:cNvSpPr>
+            <a:spLocks noGrp="1"/>
+          </p:cNvSpPr>
+          <p:nvPr>
+            <p:ph type="title"/>
+          </p:nvPr>
+        </p:nvSpPr>
+        <p:spPr/>
+        <p:txBody>
+          <a:bodyPr/>
+          <a:lstStyle/>
+          <a:p>
+            <a:r>
+              <a:rPr lang="en-US" b="1" dirty="0"/>
+              <a:t>Outline</a:t>
+            </a:r>
+          </a:p>
+        </p:txBody>
+      </p:sp>
+      <p:sp>
+        <p:nvSpPr>
+          <p:cNvPr id="3" name="Content Placeholder 2">
+            <a:extLst>
+              <a:ext uri="{FF2B5EF4-FFF2-40B4-BE49-F238E27FC236}">
+                <a16:creationId xmlns:a16="http://schemas.microsoft.com/office/drawing/2014/main" id="{8F20472D-613F-3748-9CBD-88055CDB4B08}"/>
+              </a:ext>
+            </a:extLst>
+          </p:cNvPr>
+          <p:cNvSpPr>
+            <a:spLocks noGrp="1"/>
+          </p:cNvSpPr>
+          <p:nvPr>
+            <p:ph idx="1"/>
+          </p:nvPr>
+        </p:nvSpPr>
+        <p:spPr/>
+        <p:txBody>
+          <a:bodyPr>
+            <a:normAutofit/>
+          </a:bodyPr>
+          <a:lstStyle/>
+          <a:p>
+            <a:r>
+              <a:rPr lang="en-US" sz="3200" dirty="0"/>
+              <a:t>Introduction to programming</a:t>
+            </a:r>
+            <a:r>
+              <a:rPr lang="zh-CN" altLang="en-US" sz="3200" dirty="0"/>
+              <a:t> </a:t>
+            </a:r>
+            <a:r>
+              <a:rPr lang="en-US" altLang="zh-CN" sz="3200" dirty="0"/>
+              <a:t>with</a:t>
+            </a:r>
+            <a:r>
+              <a:rPr lang="zh-CN" altLang="en-US" sz="3200" dirty="0"/>
+              <a:t> </a:t>
+            </a:r>
+            <a:r>
+              <a:rPr lang="en-US" altLang="zh-CN" sz="3200" dirty="0"/>
+              <a:t>“select”</a:t>
+            </a:r>
+            <a:endParaRPr lang="en-US" sz="3200" dirty="0"/>
+          </a:p>
+          <a:p>
+            <a:endParaRPr lang="en-US" sz="3200" dirty="0"/>
+          </a:p>
+          <a:p>
+            <a:r>
+              <a:rPr lang="en-US" sz="3200" dirty="0"/>
+              <a:t>A simple demo.</a:t>
+            </a:r>
+          </a:p>
+        </p:txBody>
+      </p:sp>
+    </p:spTree>
+    <p:extLst>
+      <p:ext uri="{BB962C8B-B14F-4D97-AF65-F5344CB8AC3E}">
+        <p14:creationId xmlns:p14="http://schemas.microsoft.com/office/powerpoint/2010/main" val="440415094"/>
+      </p:ext>
+    </p:extLst>
+  </p:cSld>
+  <p:clrMapOvr>
+    <a:masterClrMapping/>
+  </p:clrMapOvr>
+</p:sld>
+</file>
+
+<file path=ppt/slides/slide4.xml><?xml version="1.0" encoding="utf-8"?>
+<p:sld xmlns:a="http://schemas.openxmlformats.org/drawingml/2006/main" xmlns:r="http://schemas.openxmlformats.org/officeDocument/2006/relationships" xmlns:p="http://schemas.openxmlformats.org/presentationml/2006/main">
+  <p:cSld>
+    <p:spTree>
+      <p:nvGrpSpPr>
+        <p:cNvPr id="1" name=""/>
+        <p:cNvGrpSpPr/>
+        <p:nvPr/>
+      </p:nvGrpSpPr>
+      <p:grpSpPr>
+        <a:xfrm>
+          <a:off x="0" y="0"/>
+          <a:ext cx="0" cy="0"/>
+          <a:chOff x="0" y="0"/>
+          <a:chExt cx="0" cy="0"/>
+        </a:xfrm>
+      </p:grpSpPr>
+      <p:sp>
+        <p:nvSpPr>
+          <p:cNvPr id="2" name="Title 1">
+            <a:extLst>
+              <a:ext uri="{FF2B5EF4-FFF2-40B4-BE49-F238E27FC236}">
+                <a16:creationId xmlns:a16="http://schemas.microsoft.com/office/drawing/2014/main" id="{45C79BA1-37A3-5741-B0A1-E64646E4283C}"/>
+              </a:ext>
+            </a:extLst>
+          </p:cNvPr>
+          <p:cNvSpPr>
+            <a:spLocks noGrp="1"/>
+          </p:cNvSpPr>
+          <p:nvPr>
+            <p:ph type="title"/>
+          </p:nvPr>
+        </p:nvSpPr>
+        <p:spPr/>
+        <p:txBody>
+          <a:bodyPr/>
+          <a:lstStyle/>
+          <a:p>
+            <a:r>
+              <a:rPr lang="en-US" altLang="zh-CN" b="1" dirty="0"/>
+              <a:t>A2</a:t>
+            </a:r>
+            <a:r>
+              <a:rPr lang="zh-CN" altLang="en-US" b="1" dirty="0"/>
+              <a:t> </a:t>
+            </a:r>
+            <a:r>
+              <a:rPr lang="en-US" altLang="zh-CN" b="1" dirty="0"/>
+              <a:t>Preparation:</a:t>
+            </a:r>
+            <a:r>
+              <a:rPr lang="zh-CN" altLang="en-US" b="1" dirty="0"/>
+              <a:t> </a:t>
+            </a:r>
+            <a:r>
+              <a:rPr lang="en-US" altLang="zh-CN" b="1" dirty="0"/>
+              <a:t>select()</a:t>
+            </a:r>
+            <a:endParaRPr lang="en-US" b="1" dirty="0"/>
+          </a:p>
+        </p:txBody>
+      </p:sp>
+      <p:sp>
+        <p:nvSpPr>
+          <p:cNvPr id="6" name="Rectangle 2">
+            <a:extLst>
+              <a:ext uri="{FF2B5EF4-FFF2-40B4-BE49-F238E27FC236}">
+                <a16:creationId xmlns:a16="http://schemas.microsoft.com/office/drawing/2014/main" id="{B89ED527-9E1D-464F-8FDB-9EB8B6E339F6}"/>
+              </a:ext>
+            </a:extLst>
+          </p:cNvPr>
+          <p:cNvSpPr>
+            <a:spLocks noChangeArrowheads="1"/>
+          </p:cNvSpPr>
+          <p:nvPr/>
+        </p:nvSpPr>
+        <p:spPr bwMode="auto">
+          <a:xfrm>
+            <a:off x="2387600" y="2066007"/>
+            <a:ext cx="7023100" cy="846386"/>
+          </a:xfrm>
+          <a:prstGeom prst="rect">
+            <a:avLst/>
+          </a:prstGeom>
+          <a:solidFill>
+            <a:srgbClr val="FFFFFF"/>
+          </a:solidFill>
+          <a:ln>
+            <a:noFill/>
+          </a:ln>
+          <a:effectLst/>
+          <a:extLst>
+            <a:ext uri="{91240B29-F687-4F45-9708-019B960494DF}">
+              <a14:hiddenLine xmlns:a14="http://schemas.microsoft.com/office/drawing/2010/main" w="9525">
+                <a:solidFill>
+                  <a:schemeClr val="tx1"/>
+                </a:solidFill>
+                <a:miter lim="800000"/>
+                <a:headEnd/>
+                <a:tailEnd/>
+              </a14:hiddenLine>
+            </a:ext>
+            <a:ext uri="{AF507438-7753-43E0-B8FC-AC1667EBCBE1}">
+              <a14:hiddenEffects xmlns:a14="http://schemas.microsoft.com/office/drawing/2010/main">
+                <a:effectLst>
+                  <a:outerShdw dist="35921" dir="2700000" algn="ctr" rotWithShape="0">
+                    <a:schemeClr val="bg2"/>
+                  </a:outerShdw>
+                </a:effectLst>
+              </a14:hiddenEffects>
+            </a:ext>
+          </a:extLst>
+        </p:spPr>
+        <p:txBody>
+          <a:bodyPr vert="horz" wrap="square" lIns="91440" tIns="45720" rIns="91440" bIns="45720" numCol="1" anchor="ctr" anchorCtr="0" compatLnSpc="1">
+            <a:prstTxWarp prst="textNoShape">
+              <a:avLst/>
+            </a:prstTxWarp>
+            <a:spAutoFit/>
+          </a:bodyPr>
+          <a:lstStyle/>
+          <a:p>
+            <a:pPr marL="0" marR="0" lvl="0" indent="0" algn="l" defTabSz="914400" rtl="0" eaLnBrk="0" fontAlgn="base" latinLnBrk="0" hangingPunct="0">
+              <a:lnSpc>
+                <a:spcPct val="100000"/>
+              </a:lnSpc>
+              <a:spcBef>
+                <a:spcPct val="0"/>
+              </a:spcBef>
+              <a:spcAft>
+                <a:spcPct val="0"/>
+              </a:spcAft>
+              <a:buClrTx/>
+              <a:buSzTx/>
+              <a:buFontTx/>
+              <a:buNone/>
+              <a:tabLst/>
+            </a:pPr>
+            <a:r>
+              <a:rPr kumimoji="0" lang="zh-CN" altLang="zh-CN" sz="4900" b="0" i="0" u="none" strike="noStrike" cap="none" normalizeH="0" baseline="0" dirty="0">
+                <a:ln>
+                  <a:noFill/>
+                </a:ln>
+                <a:solidFill>
+                  <a:schemeClr val="tx1"/>
+                </a:solidFill>
+                <a:effectLst/>
+                <a:latin typeface="Arial" panose="020B0604020202020204" pitchFamily="34" charset="0"/>
+                <a:ea typeface="Calibri" panose="020F0502020204030204" pitchFamily="34" charset="0"/>
+              </a:rPr>
+              <a:t>select(): I/O Multiplexing </a:t>
+            </a:r>
+            <a:endParaRPr kumimoji="0" lang="zh-CN" altLang="zh-CN" sz="1800" b="0" i="0" u="none" strike="noStrike" cap="none" normalizeH="0" baseline="0" dirty="0">
+              <a:ln>
+                <a:noFill/>
+              </a:ln>
+              <a:solidFill>
+                <a:schemeClr val="tx1"/>
+              </a:solidFill>
+              <a:effectLst/>
+              <a:latin typeface="Arial" panose="020B0604020202020204" pitchFamily="34" charset="0"/>
+            </a:endParaRPr>
+          </a:p>
+        </p:txBody>
+      </p:sp>
+      <p:sp>
+        <p:nvSpPr>
+          <p:cNvPr id="7" name="矩形 6">
+            <a:extLst>
+              <a:ext uri="{FF2B5EF4-FFF2-40B4-BE49-F238E27FC236}">
+                <a16:creationId xmlns:a16="http://schemas.microsoft.com/office/drawing/2014/main" id="{286F4569-7D93-EC44-B887-417C5800100B}"/>
+              </a:ext>
+            </a:extLst>
+          </p:cNvPr>
+          <p:cNvSpPr/>
+          <p:nvPr/>
+        </p:nvSpPr>
+        <p:spPr>
+          <a:xfrm>
+            <a:off x="1517650" y="3627735"/>
+            <a:ext cx="9156700" cy="1384995"/>
+          </a:xfrm>
+          <a:prstGeom prst="rect">
+            <a:avLst/>
+          </a:prstGeom>
+        </p:spPr>
+        <p:txBody>
+          <a:bodyPr wrap="square">
+            <a:spAutoFit/>
+          </a:bodyPr>
+          <a:lstStyle/>
+          <a:p>
+            <a:r>
+              <a:rPr lang="en-US" altLang="zh-CN" sz="2800" dirty="0">
+                <a:latin typeface="Calibri" panose="020F0502020204030204" pitchFamily="34" charset="0"/>
+              </a:rPr>
+              <a:t>Allow a program to monitor multiple file descriptors, waiting until one or more of the file descriptors becomes "ready" for some class of I/O operation. </a:t>
+            </a:r>
+            <a:endParaRPr lang="en-US" altLang="zh-CN" sz="2800" dirty="0">
+              <a:effectLst/>
+            </a:endParaRPr>
+          </a:p>
+        </p:txBody>
+      </p:sp>
+    </p:spTree>
+    <p:extLst>
+      <p:ext uri="{BB962C8B-B14F-4D97-AF65-F5344CB8AC3E}">
+        <p14:creationId xmlns:p14="http://schemas.microsoft.com/office/powerpoint/2010/main" val="2648031906"/>
+      </p:ext>
+    </p:extLst>
+  </p:cSld>
+  <p:clrMapOvr>
+    <a:masterClrMapping/>
+  </p:clrMapOvr>
+</p:sld>
+</file>
+
+<file path=ppt/slides/slide5.xml><?xml version="1.0" encoding="utf-8"?>
+<p:sld xmlns:a="http://schemas.openxmlformats.org/drawingml/2006/main" xmlns:r="http://schemas.openxmlformats.org/officeDocument/2006/relationships" xmlns:p="http://schemas.openxmlformats.org/presentationml/2006/main">
+  <p:cSld>
+    <p:spTree>
+      <p:nvGrpSpPr>
+        <p:cNvPr id="1" name=""/>
+        <p:cNvGrpSpPr/>
+        <p:nvPr/>
+      </p:nvGrpSpPr>
+      <p:grpSpPr>
+        <a:xfrm>
+          <a:off x="0" y="0"/>
+          <a:ext cx="0" cy="0"/>
+          <a:chOff x="0" y="0"/>
+          <a:chExt cx="0" cy="0"/>
+        </a:xfrm>
+      </p:grpSpPr>
+      <p:sp>
+        <p:nvSpPr>
+          <p:cNvPr id="2" name="Title 1">
+            <a:extLst>
+              <a:ext uri="{FF2B5EF4-FFF2-40B4-BE49-F238E27FC236}">
+                <a16:creationId xmlns:a16="http://schemas.microsoft.com/office/drawing/2014/main" id="{45C79BA1-37A3-5741-B0A1-E64646E4283C}"/>
+              </a:ext>
+            </a:extLst>
+          </p:cNvPr>
+          <p:cNvSpPr>
+            <a:spLocks noGrp="1"/>
+          </p:cNvSpPr>
+          <p:nvPr>
+            <p:ph type="title"/>
+          </p:nvPr>
+        </p:nvSpPr>
+        <p:spPr/>
+        <p:txBody>
+          <a:bodyPr/>
+          <a:lstStyle/>
+          <a:p>
+            <a:r>
+              <a:rPr lang="en-US" altLang="zh-CN" b="1" dirty="0"/>
+              <a:t>A2</a:t>
+            </a:r>
+            <a:r>
+              <a:rPr lang="zh-CN" altLang="en-US" b="1" dirty="0"/>
+              <a:t> </a:t>
+            </a:r>
+            <a:r>
+              <a:rPr lang="en-US" altLang="zh-CN" b="1" dirty="0"/>
+              <a:t>Preparation:</a:t>
+            </a:r>
+            <a:r>
+              <a:rPr lang="zh-CN" altLang="en-US" b="1" dirty="0"/>
+              <a:t> </a:t>
+            </a:r>
+            <a:r>
+              <a:rPr lang="en-US" altLang="zh-CN" b="1" dirty="0"/>
+              <a:t>select()</a:t>
+            </a:r>
+            <a:endParaRPr lang="en-US" b="1" dirty="0"/>
+          </a:p>
+        </p:txBody>
+      </p:sp>
+      <p:sp>
+        <p:nvSpPr>
+          <p:cNvPr id="6" name="Rectangle 2">
+            <a:extLst>
+              <a:ext uri="{FF2B5EF4-FFF2-40B4-BE49-F238E27FC236}">
+                <a16:creationId xmlns:a16="http://schemas.microsoft.com/office/drawing/2014/main" id="{B89ED527-9E1D-464F-8FDB-9EB8B6E339F6}"/>
+              </a:ext>
+            </a:extLst>
+          </p:cNvPr>
+          <p:cNvSpPr>
+            <a:spLocks noChangeArrowheads="1"/>
+          </p:cNvSpPr>
+          <p:nvPr/>
+        </p:nvSpPr>
+        <p:spPr bwMode="auto">
+          <a:xfrm>
+            <a:off x="2387600" y="1577976"/>
+            <a:ext cx="7188200" cy="1600438"/>
+          </a:xfrm>
+          <a:prstGeom prst="rect">
+            <a:avLst/>
+          </a:prstGeom>
+          <a:solidFill>
+            <a:srgbClr val="FFFFFF"/>
+          </a:solidFill>
+          <a:ln>
+            <a:noFill/>
+          </a:ln>
+          <a:effectLst/>
+          <a:extLst>
+            <a:ext uri="{91240B29-F687-4F45-9708-019B960494DF}">
+              <a14:hiddenLine xmlns:a14="http://schemas.microsoft.com/office/drawing/2010/main" w="9525">
+                <a:solidFill>
+                  <a:schemeClr val="tx1"/>
+                </a:solidFill>
+                <a:miter lim="800000"/>
+                <a:headEnd/>
+                <a:tailEnd/>
+              </a14:hiddenLine>
+            </a:ext>
+            <a:ext uri="{AF507438-7753-43E0-B8FC-AC1667EBCBE1}">
+              <a14:hiddenEffects xmlns:a14="http://schemas.microsoft.com/office/drawing/2010/main">
+                <a:effectLst>
+                  <a:outerShdw dist="35921" dir="2700000" algn="ctr" rotWithShape="0">
+                    <a:schemeClr val="bg2"/>
+                  </a:outerShdw>
+                </a:effectLst>
+              </a14:hiddenEffects>
+            </a:ext>
+          </a:extLst>
+        </p:spPr>
+        <p:txBody>
+          <a:bodyPr vert="horz" wrap="square" lIns="91440" tIns="45720" rIns="91440" bIns="45720" numCol="1" anchor="ctr" anchorCtr="0" compatLnSpc="1">
+            <a:prstTxWarp prst="textNoShape">
+              <a:avLst/>
+            </a:prstTxWarp>
+            <a:spAutoFit/>
+          </a:bodyPr>
+          <a:lstStyle/>
+          <a:p>
+            <a:pPr marL="0" marR="0" lvl="0" indent="0" algn="l" defTabSz="914400" rtl="0" eaLnBrk="0" fontAlgn="base" latinLnBrk="0" hangingPunct="0">
+              <a:lnSpc>
+                <a:spcPct val="100000"/>
+              </a:lnSpc>
+              <a:spcBef>
+                <a:spcPct val="0"/>
+              </a:spcBef>
+              <a:spcAft>
+                <a:spcPct val="0"/>
+              </a:spcAft>
+              <a:buClrTx/>
+              <a:buSzTx/>
+              <a:buFontTx/>
+              <a:buNone/>
+              <a:tabLst/>
+            </a:pPr>
+            <a:r>
+              <a:rPr kumimoji="0" lang="en-US" altLang="zh-CN" sz="4900" b="0" i="0" u="none" strike="noStrike" cap="none" normalizeH="0" baseline="0" dirty="0">
+                <a:ln>
+                  <a:noFill/>
+                </a:ln>
+                <a:solidFill>
+                  <a:schemeClr val="tx1"/>
+                </a:solidFill>
+                <a:effectLst/>
+                <a:latin typeface="Arial" panose="020B0604020202020204" pitchFamily="34" charset="0"/>
+                <a:ea typeface="Calibri" panose="020F0502020204030204" pitchFamily="34" charset="0"/>
+              </a:rPr>
+              <a:t>Why</a:t>
+            </a:r>
+            <a:r>
+              <a:rPr kumimoji="0" lang="zh-CN" altLang="en-US" sz="4900" b="0" i="0" u="none" strike="noStrike" cap="none" normalizeH="0" baseline="0" dirty="0">
+                <a:ln>
+                  <a:noFill/>
+                </a:ln>
+                <a:solidFill>
+                  <a:schemeClr val="tx1"/>
+                </a:solidFill>
+                <a:effectLst/>
+                <a:latin typeface="Arial" panose="020B0604020202020204" pitchFamily="34" charset="0"/>
+                <a:ea typeface="Calibri" panose="020F0502020204030204" pitchFamily="34" charset="0"/>
+              </a:rPr>
+              <a:t> </a:t>
+            </a:r>
+            <a:r>
+              <a:rPr kumimoji="0" lang="en-US" altLang="zh-CN" sz="4900" b="0" i="0" u="none" strike="noStrike" cap="none" normalizeH="0" baseline="0" dirty="0">
+                <a:ln>
+                  <a:noFill/>
+                </a:ln>
+                <a:solidFill>
+                  <a:schemeClr val="tx1"/>
+                </a:solidFill>
+                <a:effectLst/>
+                <a:latin typeface="Arial" panose="020B0604020202020204" pitchFamily="34" charset="0"/>
+                <a:ea typeface="Calibri" panose="020F0502020204030204" pitchFamily="34" charset="0"/>
+              </a:rPr>
+              <a:t>“select”</a:t>
+            </a:r>
+            <a:r>
+              <a:rPr kumimoji="0" lang="zh-CN" altLang="en-US" sz="4900" b="0" i="0" u="none" strike="noStrike" cap="none" normalizeH="0" baseline="0" dirty="0">
+                <a:ln>
+                  <a:noFill/>
+                </a:ln>
+                <a:solidFill>
+                  <a:schemeClr val="tx1"/>
+                </a:solidFill>
+                <a:effectLst/>
+                <a:latin typeface="Arial" panose="020B0604020202020204" pitchFamily="34" charset="0"/>
+                <a:ea typeface="Calibri" panose="020F0502020204030204" pitchFamily="34" charset="0"/>
+              </a:rPr>
+              <a:t> </a:t>
+            </a:r>
+            <a:r>
+              <a:rPr kumimoji="0" lang="en-US" altLang="zh-CN" sz="4900" b="0" i="0" u="none" strike="noStrike" cap="none" normalizeH="0" baseline="0" dirty="0">
+                <a:ln>
+                  <a:noFill/>
+                </a:ln>
+                <a:solidFill>
+                  <a:schemeClr val="tx1"/>
+                </a:solidFill>
+                <a:effectLst/>
+                <a:latin typeface="Arial" panose="020B0604020202020204" pitchFamily="34" charset="0"/>
+                <a:ea typeface="Calibri" panose="020F0502020204030204" pitchFamily="34" charset="0"/>
+              </a:rPr>
+              <a:t>instead</a:t>
+            </a:r>
+            <a:r>
+              <a:rPr kumimoji="0" lang="zh-CN" altLang="en-US" sz="4900" b="0" i="0" u="none" strike="noStrike" cap="none" normalizeH="0" baseline="0" dirty="0">
+                <a:ln>
+                  <a:noFill/>
+                </a:ln>
+                <a:solidFill>
+                  <a:schemeClr val="tx1"/>
+                </a:solidFill>
+                <a:effectLst/>
+                <a:latin typeface="Arial" panose="020B0604020202020204" pitchFamily="34" charset="0"/>
+                <a:ea typeface="Calibri" panose="020F0502020204030204" pitchFamily="34" charset="0"/>
+              </a:rPr>
+              <a:t> </a:t>
+            </a:r>
+            <a:r>
+              <a:rPr kumimoji="0" lang="en-US" altLang="zh-CN" sz="4900" b="0" i="0" u="none" strike="noStrike" cap="none" normalizeH="0" baseline="0" dirty="0">
+                <a:ln>
+                  <a:noFill/>
+                </a:ln>
+                <a:solidFill>
+                  <a:schemeClr val="tx1"/>
+                </a:solidFill>
+                <a:effectLst/>
+                <a:latin typeface="Arial" panose="020B0604020202020204" pitchFamily="34" charset="0"/>
+                <a:ea typeface="Calibri" panose="020F0502020204030204" pitchFamily="34" charset="0"/>
+              </a:rPr>
+              <a:t>o</a:t>
+            </a:r>
+            <a:r>
+              <a:rPr lang="en-US" altLang="zh-CN" sz="4900" dirty="0">
+                <a:latin typeface="Arial" panose="020B0604020202020204" pitchFamily="34" charset="0"/>
+                <a:ea typeface="Calibri" panose="020F0502020204030204" pitchFamily="34" charset="0"/>
+              </a:rPr>
+              <a:t>f</a:t>
+            </a:r>
+            <a:r>
+              <a:rPr lang="zh-CN" altLang="en-US" sz="4900" dirty="0">
+                <a:latin typeface="Arial" panose="020B0604020202020204" pitchFamily="34" charset="0"/>
+                <a:ea typeface="Calibri" panose="020F0502020204030204" pitchFamily="34" charset="0"/>
+              </a:rPr>
+              <a:t> </a:t>
+            </a:r>
+            <a:r>
+              <a:rPr lang="en-US" altLang="zh-CN" sz="4900" dirty="0">
+                <a:latin typeface="Arial" panose="020B0604020202020204" pitchFamily="34" charset="0"/>
+                <a:ea typeface="Calibri" panose="020F0502020204030204" pitchFamily="34" charset="0"/>
+              </a:rPr>
+              <a:t>multi-threading</a:t>
+            </a:r>
+            <a:endParaRPr kumimoji="0" lang="zh-CN" altLang="zh-CN" sz="1800" b="0" i="0" u="none" strike="noStrike" cap="none" normalizeH="0" baseline="0" dirty="0">
+              <a:ln>
+                <a:noFill/>
+              </a:ln>
+              <a:solidFill>
+                <a:schemeClr val="tx1"/>
+              </a:solidFill>
+              <a:effectLst/>
+              <a:latin typeface="Arial" panose="020B0604020202020204" pitchFamily="34" charset="0"/>
+            </a:endParaRPr>
+          </a:p>
+        </p:txBody>
+      </p:sp>
+      <p:sp>
+        <p:nvSpPr>
+          <p:cNvPr id="7" name="矩形 6">
+            <a:extLst>
+              <a:ext uri="{FF2B5EF4-FFF2-40B4-BE49-F238E27FC236}">
+                <a16:creationId xmlns:a16="http://schemas.microsoft.com/office/drawing/2014/main" id="{286F4569-7D93-EC44-B887-417C5800100B}"/>
+              </a:ext>
+            </a:extLst>
+          </p:cNvPr>
+          <p:cNvSpPr/>
+          <p:nvPr/>
+        </p:nvSpPr>
+        <p:spPr>
+          <a:xfrm>
+            <a:off x="1828800" y="3615035"/>
+            <a:ext cx="9156700" cy="954107"/>
+          </a:xfrm>
+          <a:prstGeom prst="rect">
+            <a:avLst/>
+          </a:prstGeom>
+        </p:spPr>
+        <p:txBody>
+          <a:bodyPr wrap="square">
+            <a:spAutoFit/>
+          </a:bodyPr>
+          <a:lstStyle/>
+          <a:p>
+            <a:r>
+              <a:rPr lang="en-US" altLang="zh-CN" sz="2800" dirty="0">
+                <a:effectLst/>
+              </a:rPr>
+              <a:t>Non-blocking</a:t>
+            </a:r>
+            <a:r>
+              <a:rPr lang="zh-CN" altLang="en-US" sz="2800" dirty="0">
+                <a:effectLst/>
+              </a:rPr>
+              <a:t> </a:t>
+            </a:r>
+            <a:r>
+              <a:rPr lang="en-US" altLang="zh-CN" sz="2800" dirty="0">
+                <a:effectLst/>
+              </a:rPr>
+              <a:t>for</a:t>
+            </a:r>
+            <a:r>
+              <a:rPr lang="zh-CN" altLang="en-US" sz="2800" dirty="0">
+                <a:effectLst/>
+              </a:rPr>
+              <a:t> </a:t>
+            </a:r>
+            <a:r>
+              <a:rPr lang="en-US" altLang="zh-CN" sz="2800" dirty="0">
+                <a:effectLst/>
+              </a:rPr>
+              <a:t>only</a:t>
+            </a:r>
+            <a:r>
+              <a:rPr lang="zh-CN" altLang="en-US" sz="2800" dirty="0">
+                <a:effectLst/>
+              </a:rPr>
+              <a:t> </a:t>
+            </a:r>
+            <a:r>
+              <a:rPr lang="en-US" altLang="zh-CN" sz="2800" dirty="0">
+                <a:effectLst/>
+              </a:rPr>
+              <a:t>one</a:t>
+            </a:r>
+            <a:r>
+              <a:rPr lang="en-US" altLang="zh-CN" sz="2800" dirty="0"/>
+              <a:t>-</a:t>
+            </a:r>
+            <a:r>
+              <a:rPr lang="en-US" altLang="zh-CN" sz="2800" dirty="0">
+                <a:effectLst/>
+              </a:rPr>
+              <a:t>threaded</a:t>
+            </a:r>
+            <a:r>
+              <a:rPr lang="zh-CN" altLang="en-US" sz="2800" dirty="0">
+                <a:effectLst/>
+              </a:rPr>
+              <a:t> </a:t>
+            </a:r>
+            <a:r>
+              <a:rPr lang="en-US" altLang="zh-CN" sz="2800" dirty="0">
+                <a:effectLst/>
+              </a:rPr>
+              <a:t>program.</a:t>
+            </a:r>
+            <a:r>
+              <a:rPr lang="zh-CN" altLang="en-US" sz="2800" dirty="0">
+                <a:effectLst/>
+              </a:rPr>
+              <a:t> </a:t>
+            </a:r>
+            <a:r>
+              <a:rPr lang="en-US" altLang="zh-CN" sz="2800" dirty="0">
+                <a:effectLst/>
+              </a:rPr>
+              <a:t>Less</a:t>
+            </a:r>
+            <a:r>
+              <a:rPr lang="zh-CN" altLang="en-US" sz="2800" dirty="0">
+                <a:effectLst/>
+              </a:rPr>
+              <a:t> </a:t>
+            </a:r>
+            <a:r>
+              <a:rPr lang="en-US" altLang="zh-CN" sz="2800" dirty="0">
+                <a:effectLst/>
+              </a:rPr>
+              <a:t>system</a:t>
+            </a:r>
+            <a:r>
+              <a:rPr lang="zh-CN" altLang="en-US" sz="2800" dirty="0">
+                <a:effectLst/>
+              </a:rPr>
+              <a:t> </a:t>
+            </a:r>
+            <a:r>
+              <a:rPr lang="en-US" altLang="zh-CN" sz="2800" dirty="0">
+                <a:effectLst/>
+              </a:rPr>
+              <a:t>resource</a:t>
+            </a:r>
+            <a:r>
+              <a:rPr lang="zh-CN" altLang="en-US" sz="2800" dirty="0">
+                <a:effectLst/>
+              </a:rPr>
+              <a:t> </a:t>
+            </a:r>
+            <a:r>
+              <a:rPr lang="en-US" altLang="zh-CN" sz="2800" dirty="0">
+                <a:effectLst/>
+              </a:rPr>
+              <a:t>required.</a:t>
+            </a:r>
+            <a:r>
+              <a:rPr lang="zh-CN" altLang="en-US" sz="2800" dirty="0">
+                <a:effectLst/>
+              </a:rPr>
+              <a:t> </a:t>
+            </a:r>
+            <a:r>
+              <a:rPr lang="en-US" altLang="zh-CN" sz="2800" dirty="0">
+                <a:effectLst/>
+              </a:rPr>
+              <a:t>(although</a:t>
+            </a:r>
+            <a:r>
+              <a:rPr lang="zh-CN" altLang="en-US" sz="2800" dirty="0">
+                <a:effectLst/>
+              </a:rPr>
+              <a:t> </a:t>
+            </a:r>
+            <a:r>
+              <a:rPr lang="en-US" altLang="zh-CN" sz="2800" dirty="0">
+                <a:effectLst/>
+              </a:rPr>
+              <a:t>more</a:t>
+            </a:r>
+            <a:r>
+              <a:rPr lang="zh-CN" altLang="en-US" sz="2800" dirty="0">
+                <a:effectLst/>
+              </a:rPr>
+              <a:t> </a:t>
+            </a:r>
+            <a:r>
+              <a:rPr lang="en-US" altLang="zh-CN" sz="2800" dirty="0">
+                <a:effectLst/>
+              </a:rPr>
+              <a:t>complex</a:t>
+            </a:r>
+            <a:r>
+              <a:rPr lang="zh-CN" altLang="en-US" sz="2800" dirty="0">
+                <a:effectLst/>
+              </a:rPr>
+              <a:t> </a:t>
+            </a:r>
+            <a:r>
+              <a:rPr lang="en-US" altLang="zh-CN" sz="2800" dirty="0">
+                <a:effectLst/>
+              </a:rPr>
+              <a:t>for</a:t>
+            </a:r>
+            <a:r>
+              <a:rPr lang="zh-CN" altLang="en-US" sz="2800" dirty="0">
+                <a:effectLst/>
+              </a:rPr>
+              <a:t> </a:t>
+            </a:r>
+            <a:r>
+              <a:rPr lang="en-US" altLang="zh-CN" sz="2800" dirty="0">
+                <a:effectLst/>
+              </a:rPr>
+              <a:t>coding)</a:t>
+            </a:r>
+          </a:p>
+        </p:txBody>
+      </p:sp>
+    </p:spTree>
+    <p:extLst>
+      <p:ext uri="{BB962C8B-B14F-4D97-AF65-F5344CB8AC3E}">
+        <p14:creationId xmlns:p14="http://schemas.microsoft.com/office/powerpoint/2010/main" val="626097107"/>
+      </p:ext>
+    </p:extLst>
+  </p:cSld>
+  <p:clrMapOvr>
+    <a:masterClrMapping/>
+  </p:clrMapOvr>
+</p:sld>
+</file>
+
+<file path=ppt/slides/slide6.xml><?xml version="1.0" encoding="utf-8"?>
+<p:sld xmlns:a="http://schemas.openxmlformats.org/drawingml/2006/main" xmlns:r="http://schemas.openxmlformats.org/officeDocument/2006/relationships" xmlns:p="http://schemas.openxmlformats.org/presentationml/2006/main">
+  <p:cSld>
+    <p:spTree>
+      <p:nvGrpSpPr>
+        <p:cNvPr id="1" name=""/>
+        <p:cNvGrpSpPr/>
+        <p:nvPr/>
+      </p:nvGrpSpPr>
+      <p:grpSpPr>
+        <a:xfrm>
+          <a:off x="0" y="0"/>
+          <a:ext cx="0" cy="0"/>
+          <a:chOff x="0" y="0"/>
+          <a:chExt cx="0" cy="0"/>
+        </a:xfrm>
+      </p:grpSpPr>
+      <p:sp>
+        <p:nvSpPr>
+          <p:cNvPr id="2" name="Title 1">
+            <a:extLst>
+              <a:ext uri="{FF2B5EF4-FFF2-40B4-BE49-F238E27FC236}">
+                <a16:creationId xmlns:a16="http://schemas.microsoft.com/office/drawing/2014/main" id="{45C79BA1-37A3-5741-B0A1-E64646E4283C}"/>
+              </a:ext>
+            </a:extLst>
+          </p:cNvPr>
+          <p:cNvSpPr>
+            <a:spLocks noGrp="1"/>
+          </p:cNvSpPr>
+          <p:nvPr>
+            <p:ph type="title"/>
+          </p:nvPr>
+        </p:nvSpPr>
+        <p:spPr/>
+        <p:txBody>
+          <a:bodyPr/>
+          <a:lstStyle/>
+          <a:p>
+            <a:r>
+              <a:rPr lang="en-US" altLang="zh-CN" b="1" dirty="0"/>
+              <a:t>A2</a:t>
+            </a:r>
+            <a:r>
+              <a:rPr lang="zh-CN" altLang="en-US" b="1" dirty="0"/>
+              <a:t> </a:t>
+            </a:r>
+            <a:r>
+              <a:rPr lang="en-US" altLang="zh-CN" b="1" dirty="0"/>
+              <a:t>Preparation:</a:t>
+            </a:r>
+            <a:r>
+              <a:rPr lang="zh-CN" altLang="en-US" b="1" dirty="0"/>
+              <a:t> </a:t>
+            </a:r>
+            <a:r>
+              <a:rPr lang="en-US" altLang="zh-CN" b="1" dirty="0"/>
+              <a:t>select()</a:t>
+            </a:r>
+            <a:endParaRPr lang="en-US" b="1" dirty="0"/>
+          </a:p>
+        </p:txBody>
+      </p:sp>
+      <p:pic>
+        <p:nvPicPr>
+          <p:cNvPr id="4" name="图片 3">
+            <a:extLst>
+              <a:ext uri="{FF2B5EF4-FFF2-40B4-BE49-F238E27FC236}">
+                <a16:creationId xmlns:a16="http://schemas.microsoft.com/office/drawing/2014/main" id="{89681FE7-3292-E84E-809F-382F61CBC127}"/>
+              </a:ext>
+            </a:extLst>
+          </p:cNvPr>
+          <p:cNvPicPr>
+            <a:picLocks noChangeAspect="1"/>
+          </p:cNvPicPr>
+          <p:nvPr/>
+        </p:nvPicPr>
+        <p:blipFill>
+          <a:blip r:embed="rId2"/>
+          <a:stretch>
+            <a:fillRect/>
+          </a:stretch>
+        </p:blipFill>
+        <p:spPr>
+          <a:xfrm>
+            <a:off x="838200" y="1806802"/>
+            <a:ext cx="9375321" cy="3912221"/>
+          </a:xfrm>
+          <a:prstGeom prst="rect">
+            <a:avLst/>
+          </a:prstGeom>
+        </p:spPr>
+      </p:pic>
+    </p:spTree>
+    <p:extLst>
+      <p:ext uri="{BB962C8B-B14F-4D97-AF65-F5344CB8AC3E}">
+        <p14:creationId xmlns:p14="http://schemas.microsoft.com/office/powerpoint/2010/main" val="3678526647"/>
+      </p:ext>
+    </p:extLst>
+  </p:cSld>
+  <p:clrMapOvr>
+    <a:masterClrMapping/>
+  </p:clrMapOvr>
+</p:sld>
+</file>
+
+<file path=ppt/slides/slide7.xml><?xml version="1.0" encoding="utf-8"?>
+<p:sld xmlns:a="http://schemas.openxmlformats.org/drawingml/2006/main" xmlns:r="http://schemas.openxmlformats.org/officeDocument/2006/relationships" xmlns:p="http://schemas.openxmlformats.org/presentationml/2006/main">
+  <p:cSld>
+    <p:spTree>
+      <p:nvGrpSpPr>
+        <p:cNvPr id="1" name=""/>
+        <p:cNvGrpSpPr/>
+        <p:nvPr/>
+      </p:nvGrpSpPr>
+      <p:grpSpPr>
+        <a:xfrm>
+          <a:off x="0" y="0"/>
+          <a:ext cx="0" cy="0"/>
+          <a:chOff x="0" y="0"/>
+          <a:chExt cx="0" cy="0"/>
+        </a:xfrm>
+      </p:grpSpPr>
+      <p:sp>
+        <p:nvSpPr>
+          <p:cNvPr id="2" name="Title 1">
+            <a:extLst>
+              <a:ext uri="{FF2B5EF4-FFF2-40B4-BE49-F238E27FC236}">
+                <a16:creationId xmlns:a16="http://schemas.microsoft.com/office/drawing/2014/main" id="{45C79BA1-37A3-5741-B0A1-E64646E4283C}"/>
+              </a:ext>
+            </a:extLst>
+          </p:cNvPr>
+          <p:cNvSpPr>
+            <a:spLocks noGrp="1"/>
+          </p:cNvSpPr>
+          <p:nvPr>
+            <p:ph type="title"/>
+          </p:nvPr>
+        </p:nvSpPr>
+        <p:spPr/>
+        <p:txBody>
+          <a:bodyPr/>
+          <a:lstStyle/>
+          <a:p>
+            <a:r>
+              <a:rPr lang="en-US" altLang="zh-CN" b="1" dirty="0"/>
+              <a:t>A2</a:t>
+            </a:r>
+            <a:r>
+              <a:rPr lang="zh-CN" altLang="en-US" b="1" dirty="0"/>
+              <a:t> </a:t>
+            </a:r>
+            <a:r>
+              <a:rPr lang="en-US" altLang="zh-CN" b="1" dirty="0"/>
+              <a:t>Preparation:</a:t>
+            </a:r>
+            <a:r>
+              <a:rPr lang="zh-CN" altLang="en-US" b="1" dirty="0"/>
+              <a:t> </a:t>
+            </a:r>
+            <a:r>
+              <a:rPr lang="en-US" altLang="zh-CN" b="1" dirty="0"/>
+              <a:t>select()</a:t>
+            </a:r>
+            <a:endParaRPr lang="en-US" b="1" dirty="0"/>
+          </a:p>
+        </p:txBody>
+      </p:sp>
+      <p:pic>
+        <p:nvPicPr>
+          <p:cNvPr id="3" name="图片 2">
+            <a:extLst>
+              <a:ext uri="{FF2B5EF4-FFF2-40B4-BE49-F238E27FC236}">
+                <a16:creationId xmlns:a16="http://schemas.microsoft.com/office/drawing/2014/main" id="{DD87CBD2-E246-BC4E-8E61-596B90F76CB2}"/>
+              </a:ext>
+            </a:extLst>
+          </p:cNvPr>
+          <p:cNvPicPr>
+            <a:picLocks noChangeAspect="1"/>
+          </p:cNvPicPr>
+          <p:nvPr/>
+        </p:nvPicPr>
+        <p:blipFill>
+          <a:blip r:embed="rId2"/>
+          <a:stretch>
+            <a:fillRect/>
+          </a:stretch>
+        </p:blipFill>
+        <p:spPr>
+          <a:xfrm>
+            <a:off x="838200" y="2590800"/>
+            <a:ext cx="8680450" cy="3611507"/>
+          </a:xfrm>
+          <a:prstGeom prst="rect">
+            <a:avLst/>
+          </a:prstGeom>
+        </p:spPr>
+      </p:pic>
+      <p:sp>
+        <p:nvSpPr>
+          <p:cNvPr id="5" name="矩形 4">
+            <a:extLst>
+              <a:ext uri="{FF2B5EF4-FFF2-40B4-BE49-F238E27FC236}">
+                <a16:creationId xmlns:a16="http://schemas.microsoft.com/office/drawing/2014/main" id="{DED71D2B-24EB-9C4A-9F6B-5ECEB45E26FF}"/>
+              </a:ext>
+            </a:extLst>
+          </p:cNvPr>
+          <p:cNvSpPr/>
+          <p:nvPr/>
+        </p:nvSpPr>
+        <p:spPr>
+          <a:xfrm>
+            <a:off x="838200" y="1771412"/>
+            <a:ext cx="3351623" cy="523220"/>
+          </a:xfrm>
+          <a:prstGeom prst="rect">
+            <a:avLst/>
+          </a:prstGeom>
+        </p:spPr>
+        <p:txBody>
+          <a:bodyPr wrap="none">
+            <a:spAutoFit/>
+          </a:bodyPr>
+          <a:lstStyle/>
+          <a:p>
+            <a:r>
+              <a:rPr lang="en-US" altLang="zh-CN" sz="2800" b="1" dirty="0">
+                <a:latin typeface="Calibri" panose="020F0502020204030204" pitchFamily="34" charset="0"/>
+              </a:rPr>
+              <a:t>Some useful macros: </a:t>
+            </a:r>
+            <a:endParaRPr lang="en-US" altLang="zh-CN" sz="2800" dirty="0">
+              <a:effectLst/>
+            </a:endParaRPr>
+          </a:p>
+        </p:txBody>
+      </p:sp>
+    </p:spTree>
+    <p:extLst>
+      <p:ext uri="{BB962C8B-B14F-4D97-AF65-F5344CB8AC3E}">
+        <p14:creationId xmlns:p14="http://schemas.microsoft.com/office/powerpoint/2010/main" val="2643125054"/>
+      </p:ext>
+    </p:extLst>
+  </p:cSld>
+  <p:clrMapOvr>
+    <a:masterClrMapping/>
+  </p:clrMapOvr>
+</p:sld>
+</file>
+
+<file path=ppt/slides/slide8.xml><?xml version="1.0" encoding="utf-8"?>
+<p:sld xmlns:a="http://schemas.openxmlformats.org/drawingml/2006/main" xmlns:r="http://schemas.openxmlformats.org/officeDocument/2006/relationships" xmlns:p="http://schemas.openxmlformats.org/presentationml/2006/main">
+  <p:cSld>
+    <p:bg>
+      <p:bgPr>
+        <a:solidFill>
+          <a:schemeClr val="bg1"/>
+        </a:solidFill>
+        <a:effectLst/>
+      </p:bgPr>
+    </p:bg>
+    <p:spTree>
+      <p:nvGrpSpPr>
+        <p:cNvPr id="1" name=""/>
+        <p:cNvGrpSpPr/>
+        <p:nvPr/>
+      </p:nvGrpSpPr>
+      <p:grpSpPr>
+        <a:xfrm>
+          <a:off x="0" y="0"/>
+          <a:ext cx="0" cy="0"/>
+          <a:chOff x="0" y="0"/>
+          <a:chExt cx="0" cy="0"/>
+        </a:xfrm>
+      </p:grpSpPr>
+      <p:sp>
+        <p:nvSpPr>
+          <p:cNvPr id="15" name="Rectangle 14">
+            <a:extLst>
+              <a:ext uri="{FF2B5EF4-FFF2-40B4-BE49-F238E27FC236}">
+                <a16:creationId xmlns:a16="http://schemas.microsoft.com/office/drawing/2014/main" id="{1707FC24-6981-43D9-B525-C7832BA22463}"/>
+              </a:ext>
+              <a:ext uri="{C183D7F6-B498-43B3-948B-1728B52AA6E4}">
+                <adec:decorative xmlns:adec="http://schemas.microsoft.com/office/drawing/2017/decorative" val="1"/>
+              </a:ext>
+            </a:extLst>
+          </p:cNvPr>
+          <p:cNvSpPr>
+            <a:spLocks noGrp="1" noRot="1" noChangeAspect="1" noMove="1" noResize="1" noEditPoints="1" noAdjustHandles="1" noChangeArrowheads="1" noChangeShapeType="1" noTextEdit="1"/>
+          </p:cNvSpPr>
+          <p:nvPr>
+            <p:extLst>
+              <p:ext uri="{386F3935-93C4-4BCD-93E2-E3B085C9AB24}">
+                <p16:designElem xmlns:p16="http://schemas.microsoft.com/office/powerpoint/2015/main" val="1"/>
+              </p:ext>
+            </p:extLst>
+          </p:nvPr>
+        </p:nvSpPr>
+        <p:spPr bwMode="ltGray">
+          <a:xfrm>
+            <a:off x="336884" y="311449"/>
+            <a:ext cx="4332307" cy="6179552"/>
+          </a:xfrm>
+          <a:prstGeom prst="rect">
+            <a:avLst/>
+          </a:prstGeom>
+          <a:solidFill>
+            <a:srgbClr val="404040"/>
+          </a:solidFill>
+          <a:ln w="127000" cap="sq" cmpd="thinThick">
+            <a:solidFill>
+              <a:srgbClr val="404040"/>
+            </a:solidFill>
+          </a:ln>
+        </p:spPr>
+        <p:style>
+          <a:lnRef idx="2">
+            <a:schemeClr val="accent1">
+              <a:shade val="50000"/>
+            </a:schemeClr>
+          </a:lnRef>
+          <a:fillRef idx="1">
+            <a:schemeClr val="accent1"/>
+          </a:fillRef>
+          <a:effectRef idx="0">
+            <a:schemeClr val="accent1"/>
+          </a:effectRef>
+          <a:fontRef idx="minor">
+            <a:schemeClr val="lt1"/>
+          </a:fontRef>
+        </p:style>
+        <p:txBody>
+          <a:bodyPr rtlCol="0" anchor="ctr"/>
+          <a:lstStyle/>
+          <a:p>
+            <a:pPr algn="ctr"/>
+            <a:endParaRPr lang="en-US"/>
+          </a:p>
+        </p:txBody>
+      </p:sp>
+      <p:sp>
+        <p:nvSpPr>
+          <p:cNvPr id="2" name="Title 1">
+            <a:extLst>
+              <a:ext uri="{FF2B5EF4-FFF2-40B4-BE49-F238E27FC236}">
+                <a16:creationId xmlns:a16="http://schemas.microsoft.com/office/drawing/2014/main" id="{45C79BA1-37A3-5741-B0A1-E64646E4283C}"/>
+              </a:ext>
+            </a:extLst>
+          </p:cNvPr>
+          <p:cNvSpPr>
+            <a:spLocks noGrp="1"/>
+          </p:cNvSpPr>
+          <p:nvPr>
+            <p:ph type="title"/>
+          </p:nvPr>
+        </p:nvSpPr>
+        <p:spPr>
+          <a:xfrm>
+            <a:off x="742950" y="742951"/>
+            <a:ext cx="3476625" cy="4962524"/>
+          </a:xfrm>
+        </p:spPr>
+        <p:txBody>
+          <a:bodyPr vert="horz" lIns="91440" tIns="45720" rIns="91440" bIns="45720" rtlCol="0" anchor="ctr">
+            <a:normAutofit/>
+          </a:bodyPr>
+          <a:lstStyle/>
+          <a:p>
+            <a:pPr algn="ctr"/>
+            <a:r>
+              <a:rPr lang="en-US" altLang="zh-CN" sz="4800" b="1" kern="1200" dirty="0">
+                <a:solidFill>
+                  <a:srgbClr val="FFFFFF"/>
+                </a:solidFill>
+                <a:latin typeface="+mj-lt"/>
+                <a:ea typeface="+mj-ea"/>
+                <a:cs typeface="+mj-cs"/>
+              </a:rPr>
+              <a:t>A2 Preparation: select()</a:t>
+            </a:r>
+            <a:endParaRPr lang="en-US" sz="4800" b="1" kern="1200" dirty="0">
+              <a:solidFill>
+                <a:srgbClr val="FFFFFF"/>
+              </a:solidFill>
+              <a:latin typeface="+mj-lt"/>
+              <a:ea typeface="+mj-ea"/>
+              <a:cs typeface="+mj-cs"/>
+            </a:endParaRPr>
+          </a:p>
+        </p:txBody>
+      </p:sp>
+      <p:pic>
+        <p:nvPicPr>
+          <p:cNvPr id="6" name="图片 5">
+            <a:extLst>
+              <a:ext uri="{FF2B5EF4-FFF2-40B4-BE49-F238E27FC236}">
+                <a16:creationId xmlns:a16="http://schemas.microsoft.com/office/drawing/2014/main" id="{75801BF3-6769-8F4A-A9DB-78EDFCBDE0CE}"/>
+              </a:ext>
+            </a:extLst>
+          </p:cNvPr>
+          <p:cNvPicPr>
+            <a:picLocks noChangeAspect="1"/>
+          </p:cNvPicPr>
+          <p:nvPr/>
+        </p:nvPicPr>
+        <p:blipFill>
+          <a:blip r:embed="rId2"/>
+          <a:stretch>
+            <a:fillRect/>
+          </a:stretch>
+        </p:blipFill>
+        <p:spPr>
+          <a:xfrm>
+            <a:off x="6234680" y="0"/>
+            <a:ext cx="4804497" cy="6672914"/>
+          </a:xfrm>
+          <a:prstGeom prst="rect">
+            <a:avLst/>
+          </a:prstGeom>
+        </p:spPr>
+      </p:pic>
+    </p:spTree>
+    <p:extLst>
+      <p:ext uri="{BB962C8B-B14F-4D97-AF65-F5344CB8AC3E}">
+        <p14:creationId xmlns:p14="http://schemas.microsoft.com/office/powerpoint/2010/main" val="2375667277"/>
+      </p:ext>
+    </p:extLst>
+  </p:cSld>
+  <p:clrMapOvr>
+    <a:masterClrMapping/>
+  </p:clrMapOvr>
+</p:sld>
+</file>
+
+<file path=ppt/slides/slide9.xml><?xml version="1.0" encoding="utf-8"?>
+<p:sld xmlns:a="http://schemas.openxmlformats.org/drawingml/2006/main" xmlns:r="http://schemas.openxmlformats.org/officeDocument/2006/relationships" xmlns:p="http://schemas.openxmlformats.org/presentationml/2006/main">
+  <p:cSld>
+    <p:bg>
+      <p:bgPr>
+        <a:solidFill>
+          <a:schemeClr val="bg1"/>
+        </a:solidFill>
+        <a:effectLst/>
+      </p:bgPr>
+    </p:bg>
+    <p:spTree>
+      <p:nvGrpSpPr>
+        <p:cNvPr id="1" name=""/>
+        <p:cNvGrpSpPr/>
+        <p:nvPr/>
+      </p:nvGrpSpPr>
+      <p:grpSpPr>
+        <a:xfrm>
+          <a:off x="0" y="0"/>
+          <a:ext cx="0" cy="0"/>
+          <a:chOff x="0" y="0"/>
+          <a:chExt cx="0" cy="0"/>
+        </a:xfrm>
+      </p:grpSpPr>
+      <p:sp>
+        <p:nvSpPr>
+          <p:cNvPr id="2" name="Title 1">
+            <a:extLst>
+              <a:ext uri="{FF2B5EF4-FFF2-40B4-BE49-F238E27FC236}">
+                <a16:creationId xmlns:a16="http://schemas.microsoft.com/office/drawing/2014/main" id="{45C79BA1-37A3-5741-B0A1-E64646E4283C}"/>
+              </a:ext>
+            </a:extLst>
+          </p:cNvPr>
+          <p:cNvSpPr>
+            <a:spLocks noGrp="1"/>
+          </p:cNvSpPr>
+          <p:nvPr>
+            <p:ph type="title"/>
+          </p:nvPr>
+        </p:nvSpPr>
         <p:spPr>
           <a:xfrm>
             <a:off x="838199" y="291090"/>
@@ -6877,6 +7303,36 @@
           </a:p>
         </p:txBody>
       </p:sp>
+      <p:pic>
+        <p:nvPicPr>
+          <p:cNvPr id="7" name="图片 6">
+            <a:extLst>
+              <a:ext uri="{FF2B5EF4-FFF2-40B4-BE49-F238E27FC236}">
+                <a16:creationId xmlns:a16="http://schemas.microsoft.com/office/drawing/2014/main" id="{63A40565-D564-D443-82E0-A70E9618FA38}"/>
+              </a:ext>
+            </a:extLst>
+          </p:cNvPr>
+          <p:cNvPicPr>
+            <a:picLocks noChangeAspect="1"/>
+          </p:cNvPicPr>
+          <p:nvPr/>
+        </p:nvPicPr>
+        <p:blipFill>
+          <a:blip r:embed="rId2"/>
+          <a:stretch>
+            <a:fillRect/>
+          </a:stretch>
+        </p:blipFill>
+        <p:spPr>
+          <a:xfrm>
+            <a:off x="3421330" y="1863801"/>
+            <a:ext cx="5349338" cy="4440746"/>
+          </a:xfrm>
+          <a:prstGeom prst="rect">
+            <a:avLst/>
+          </a:prstGeom>
+        </p:spPr>
+      </p:pic>
       <p:sp>
         <p:nvSpPr>
           <p:cNvPr id="8" name="矩形 7">
@@ -6892,7 +7348,7 @@
         <p:spPr>
           <a:xfrm>
             <a:off x="923537" y="1465590"/>
-            <a:ext cx="2829557" cy="523220"/>
+            <a:ext cx="10357451" cy="523220"/>
           </a:xfrm>
           <a:prstGeom prst="rect">
             <a:avLst/>
@@ -7014,7 +7470,7 @@
               <a:rPr lang="en-US" altLang="zh-CN" sz="2800" b="1" dirty="0">
                 <a:latin typeface="Calibri" panose="020F0502020204030204" pitchFamily="34" charset="0"/>
               </a:rPr>
-              <a:t>2:</a:t>
+              <a:t>1:</a:t>
             </a:r>
             <a:r>
               <a:rPr lang="zh-CN" altLang="en-US" sz="2800" b="1" dirty="0">
@@ -7026,7 +7482,7 @@
               <a:rPr lang="en-US" altLang="zh-CN" sz="2800" b="1" dirty="0">
                 <a:latin typeface="Calibri" panose="020F0502020204030204" pitchFamily="34" charset="0"/>
               </a:rPr>
-              <a:t>call</a:t>
+              <a:t>initialize(FD_ZERO)</a:t>
             </a:r>
             <a:r>
               <a:rPr lang="zh-CN" altLang="en-US" sz="2800" b="1" dirty="0">
@@ -7035,10 +7491,70 @@
               <a:t> </a:t>
             </a:r>
             <a:r>
+              <a:rPr lang="en-US" altLang="zh-CN" sz="2800" b="1" dirty="0" err="1">
+                <a:latin typeface="Calibri" panose="020F0502020204030204" pitchFamily="34" charset="0"/>
+              </a:rPr>
+              <a:t>fd_set</a:t>
+            </a:r>
+            <a:r>
+              <a:rPr lang="zh-CN" altLang="en-US" sz="2800" b="1" dirty="0">
+                <a:latin typeface="Calibri" panose="020F0502020204030204" pitchFamily="34" charset="0"/>
+              </a:rPr>
+              <a:t> </a:t>
+            </a:r>
+            <a:r>
               <a:rPr lang="en-US" altLang="zh-CN" sz="2800" b="1" dirty="0">
                 <a:latin typeface="Calibri" panose="020F0502020204030204" pitchFamily="34" charset="0"/>
               </a:rPr>
-              <a:t>select</a:t>
+              <a:t>and</a:t>
+            </a:r>
+            <a:r>
+              <a:rPr lang="zh-CN" altLang="en-US" sz="2800" b="1" dirty="0">
+                <a:latin typeface="Calibri" panose="020F0502020204030204" pitchFamily="34" charset="0"/>
+              </a:rPr>
+              <a:t> </a:t>
+            </a:r>
+            <a:r>
+              <a:rPr lang="en-US" altLang="zh-CN" sz="2800" b="1" dirty="0">
+                <a:latin typeface="Calibri" panose="020F0502020204030204" pitchFamily="34" charset="0"/>
+              </a:rPr>
+              <a:t>set(FD_SET)</a:t>
+            </a:r>
+            <a:r>
+              <a:rPr lang="zh-CN" altLang="en-US" sz="2800" b="1" dirty="0">
+                <a:latin typeface="Calibri" panose="020F0502020204030204" pitchFamily="34" charset="0"/>
+              </a:rPr>
+              <a:t> </a:t>
+            </a:r>
+            <a:r>
+              <a:rPr lang="en-US" altLang="zh-CN" sz="2800" b="1" dirty="0" err="1">
+                <a:latin typeface="Calibri" panose="020F0502020204030204" pitchFamily="34" charset="0"/>
+              </a:rPr>
+              <a:t>fd_set</a:t>
+            </a:r>
+            <a:r>
+              <a:rPr lang="zh-CN" altLang="en-US" sz="2800" b="1" dirty="0">
+                <a:latin typeface="Calibri" panose="020F0502020204030204" pitchFamily="34" charset="0"/>
+              </a:rPr>
+              <a:t> </a:t>
+            </a:r>
+            <a:r>
+              <a:rPr lang="en-US" altLang="zh-CN" sz="2800" b="1" dirty="0">
+                <a:latin typeface="Calibri" panose="020F0502020204030204" pitchFamily="34" charset="0"/>
+              </a:rPr>
+              <a:t>for</a:t>
+            </a:r>
+            <a:r>
+              <a:rPr lang="zh-CN" altLang="en-US" sz="2800" b="1" dirty="0">
+                <a:latin typeface="Calibri" panose="020F0502020204030204" pitchFamily="34" charset="0"/>
+              </a:rPr>
+              <a:t> </a:t>
+            </a:r>
+            <a:r>
+              <a:rPr lang="en-US" altLang="zh-CN" sz="2800" b="1" dirty="0">
+                <a:latin typeface="Calibri" panose="020F0502020204030204" pitchFamily="34" charset="0"/>
+              </a:rPr>
+              <a:t>sockets </a:t>
             </a:r>
             <a:endParaRPr lang="en-US" altLang="zh-CN" sz="2800" dirty="0">
               <a:effectLst/>
@@ -7046,40 +7562,10 @@
           </a:p>
         </p:txBody>
       </p:sp>
-      <p:pic>
-        <p:nvPicPr>
-          <p:cNvPr id="4" name="图片 3">
-            <a:extLst>
-              <a:ext uri="{FF2B5EF4-FFF2-40B4-BE49-F238E27FC236}">
-                <a16:creationId xmlns:a16="http://schemas.microsoft.com/office/drawing/2014/main" id="{7E62CADC-A63C-A24A-BB31-52FB3D6E4856}"/>
-              </a:ext>
-            </a:extLst>
-          </p:cNvPr>
-          <p:cNvPicPr>
-            <a:picLocks noChangeAspect="1"/>
-          </p:cNvPicPr>
-          <p:nvPr/>
-        </p:nvPicPr>
-        <p:blipFill>
-          <a:blip r:embed="rId2"/>
-          <a:stretch>
-            <a:fillRect/>
-          </a:stretch>
-        </p:blipFill>
-        <p:spPr>
-          <a:xfrm>
-            <a:off x="-2" y="1988810"/>
-            <a:ext cx="12192000" cy="3895152"/>
-          </a:xfrm>
-          <a:prstGeom prst="rect">
-            <a:avLst/>
-          </a:prstGeom>
-        </p:spPr>
-      </p:pic>
     </p:spTree>
     <p:extLst>
       <p:ext uri="{BB962C8B-B14F-4D97-AF65-F5344CB8AC3E}">
-        <p14:creationId xmlns:p14="http://schemas.microsoft.com/office/powerpoint/2010/main" val="988368226"/>
+        <p14:creationId xmlns:p14="http://schemas.microsoft.com/office/powerpoint/2010/main" val="3240555615"/>
       </p:ext>
     </p:extLst>
   </p:cSld>

--- a/tutorial/T04/tut04.pptx
+++ b/tutorial/T04/tut04.pptx
@@ -133,30 +133,6 @@
 
 <file path=ppt/changesInfos/changesInfo1.xml><?xml version="1.0" encoding="utf-8"?>
 <pc:chgInfo xmlns:a="http://schemas.openxmlformats.org/drawingml/2006/main" xmlns:r="http://schemas.openxmlformats.org/officeDocument/2006/relationships" xmlns:ac="http://schemas.microsoft.com/office/drawing/2013/main/command" xmlns:pc="http://schemas.microsoft.com/office/powerpoint/2013/main/command">
-  <pc:docChgLst>
-    <pc:chgData name="Qingyu Song" userId="O4NG2utMRSC9bShTQouuMd1Uq3x00QhxVtEheGSGOoU=" providerId="None" clId="Web-{1A9491C6-FD31-4FA7-98FA-39E25D0B6578}"/>
-    <pc:docChg chg="modSld">
-      <pc:chgData name="Qingyu Song" userId="O4NG2utMRSC9bShTQouuMd1Uq3x00QhxVtEheGSGOoU=" providerId="None" clId="Web-{1A9491C6-FD31-4FA7-98FA-39E25D0B6578}" dt="2022-01-09T11:29:04.756" v="11" actId="20577"/>
-      <pc:docMkLst>
-        <pc:docMk/>
-      </pc:docMkLst>
-      <pc:sldChg chg="modSp">
-        <pc:chgData name="Qingyu Song" userId="O4NG2utMRSC9bShTQouuMd1Uq3x00QhxVtEheGSGOoU=" providerId="None" clId="Web-{1A9491C6-FD31-4FA7-98FA-39E25D0B6578}" dt="2022-01-09T11:29:04.756" v="11" actId="20577"/>
-        <pc:sldMkLst>
-          <pc:docMk/>
-          <pc:sldMk cId="1947847713" sldId="257"/>
-        </pc:sldMkLst>
-        <pc:spChg chg="mod">
-          <ac:chgData name="Qingyu Song" userId="O4NG2utMRSC9bShTQouuMd1Uq3x00QhxVtEheGSGOoU=" providerId="None" clId="Web-{1A9491C6-FD31-4FA7-98FA-39E25D0B6578}" dt="2022-01-09T11:29:04.756" v="11" actId="20577"/>
-          <ac:spMkLst>
-            <pc:docMk/>
-            <pc:sldMk cId="1947847713" sldId="257"/>
-            <ac:spMk id="3" creationId="{8F20472D-613F-3748-9CBD-88055CDB4B08}"/>
-          </ac:spMkLst>
-        </pc:spChg>
-      </pc:sldChg>
-    </pc:docChg>
-  </pc:docChgLst>
   <pc:docChgLst>
     <pc:chgData name="YANG, Yitao" userId="88e7822c-0337-4812-90b9-cac454a86cb3" providerId="ADAL" clId="{99F41875-7439-487D-9ECA-8FAFAEEE8A21}"/>
     <pc:docChg chg="undo custSel addSld modSld sldOrd">
@@ -962,6 +938,30 @@
       </pc:sldChg>
     </pc:docChg>
   </pc:docChgLst>
+  <pc:docChgLst>
+    <pc:chgData name="Qingyu Song" userId="O4NG2utMRSC9bShTQouuMd1Uq3x00QhxVtEheGSGOoU=" providerId="None" clId="Web-{1A9491C6-FD31-4FA7-98FA-39E25D0B6578}"/>
+    <pc:docChg chg="modSld">
+      <pc:chgData name="Qingyu Song" userId="O4NG2utMRSC9bShTQouuMd1Uq3x00QhxVtEheGSGOoU=" providerId="None" clId="Web-{1A9491C6-FD31-4FA7-98FA-39E25D0B6578}" dt="2022-01-09T11:29:04.756" v="11" actId="20577"/>
+      <pc:docMkLst>
+        <pc:docMk/>
+      </pc:docMkLst>
+      <pc:sldChg chg="modSp">
+        <pc:chgData name="Qingyu Song" userId="O4NG2utMRSC9bShTQouuMd1Uq3x00QhxVtEheGSGOoU=" providerId="None" clId="Web-{1A9491C6-FD31-4FA7-98FA-39E25D0B6578}" dt="2022-01-09T11:29:04.756" v="11" actId="20577"/>
+        <pc:sldMkLst>
+          <pc:docMk/>
+          <pc:sldMk cId="1947847713" sldId="257"/>
+        </pc:sldMkLst>
+        <pc:spChg chg="mod">
+          <ac:chgData name="Qingyu Song" userId="O4NG2utMRSC9bShTQouuMd1Uq3x00QhxVtEheGSGOoU=" providerId="None" clId="Web-{1A9491C6-FD31-4FA7-98FA-39E25D0B6578}" dt="2022-01-09T11:29:04.756" v="11" actId="20577"/>
+          <ac:spMkLst>
+            <pc:docMk/>
+            <pc:sldMk cId="1947847713" sldId="257"/>
+            <ac:spMk id="3" creationId="{8F20472D-613F-3748-9CBD-88055CDB4B08}"/>
+          </ac:spMkLst>
+        </pc:spChg>
+      </pc:sldChg>
+    </pc:docChg>
+  </pc:docChgLst>
 </pc:chgInfo>
 </file>
 
@@ -1047,7 +1047,7 @@
           <a:p>
             <a:fld id="{62FBE78F-E554-4806-A855-B19721C91D19}" type="datetimeFigureOut">
               <a:rPr lang="zh-CN" altLang="en-US" smtClean="0"/>
-              <a:t>2023/9/26</a:t>
+              <a:t>2023/9/27</a:t>
             </a:fld>
             <a:endParaRPr lang="zh-CN" altLang="en-US"/>
           </a:p>
@@ -1639,7 +1639,7 @@
           <a:p>
             <a:fld id="{2425905D-C0C4-D040-B3F5-79CCA23FA4EB}" type="datetimeFigureOut">
               <a:rPr lang="en-US" smtClean="0"/>
-              <a:t>9/26/2023</a:t>
+              <a:t>9/27/2023</a:t>
             </a:fld>
             <a:endParaRPr lang="en-US"/>
           </a:p>
@@ -1839,7 +1839,7 @@
           <a:p>
             <a:fld id="{2425905D-C0C4-D040-B3F5-79CCA23FA4EB}" type="datetimeFigureOut">
               <a:rPr lang="en-US" smtClean="0"/>
-              <a:t>9/26/2023</a:t>
+              <a:t>9/27/2023</a:t>
             </a:fld>
             <a:endParaRPr lang="en-US"/>
           </a:p>
@@ -2049,7 +2049,7 @@
           <a:p>
             <a:fld id="{2425905D-C0C4-D040-B3F5-79CCA23FA4EB}" type="datetimeFigureOut">
               <a:rPr lang="en-US" smtClean="0"/>
-              <a:t>9/26/2023</a:t>
+              <a:t>9/27/2023</a:t>
             </a:fld>
             <a:endParaRPr lang="en-US"/>
           </a:p>
@@ -2249,7 +2249,7 @@
           <a:p>
             <a:fld id="{2425905D-C0C4-D040-B3F5-79CCA23FA4EB}" type="datetimeFigureOut">
               <a:rPr lang="en-US" smtClean="0"/>
-              <a:t>9/26/2023</a:t>
+              <a:t>9/27/2023</a:t>
             </a:fld>
             <a:endParaRPr lang="en-US"/>
           </a:p>
@@ -2525,7 +2525,7 @@
           <a:p>
             <a:fld id="{2425905D-C0C4-D040-B3F5-79CCA23FA4EB}" type="datetimeFigureOut">
               <a:rPr lang="en-US" smtClean="0"/>
-              <a:t>9/26/2023</a:t>
+              <a:t>9/27/2023</a:t>
             </a:fld>
             <a:endParaRPr lang="en-US"/>
           </a:p>
@@ -2793,7 +2793,7 @@
           <a:p>
             <a:fld id="{2425905D-C0C4-D040-B3F5-79CCA23FA4EB}" type="datetimeFigureOut">
               <a:rPr lang="en-US" smtClean="0"/>
-              <a:t>9/26/2023</a:t>
+              <a:t>9/27/2023</a:t>
             </a:fld>
             <a:endParaRPr lang="en-US"/>
           </a:p>
@@ -3208,7 +3208,7 @@
           <a:p>
             <a:fld id="{2425905D-C0C4-D040-B3F5-79CCA23FA4EB}" type="datetimeFigureOut">
               <a:rPr lang="en-US" smtClean="0"/>
-              <a:t>9/26/2023</a:t>
+              <a:t>9/27/2023</a:t>
             </a:fld>
             <a:endParaRPr lang="en-US"/>
           </a:p>
@@ -3350,7 +3350,7 @@
           <a:p>
             <a:fld id="{2425905D-C0C4-D040-B3F5-79CCA23FA4EB}" type="datetimeFigureOut">
               <a:rPr lang="en-US" smtClean="0"/>
-              <a:t>9/26/2023</a:t>
+              <a:t>9/27/2023</a:t>
             </a:fld>
             <a:endParaRPr lang="en-US"/>
           </a:p>
@@ -3463,7 +3463,7 @@
           <a:p>
             <a:fld id="{2425905D-C0C4-D040-B3F5-79CCA23FA4EB}" type="datetimeFigureOut">
               <a:rPr lang="en-US" smtClean="0"/>
-              <a:t>9/26/2023</a:t>
+              <a:t>9/27/2023</a:t>
             </a:fld>
             <a:endParaRPr lang="en-US"/>
           </a:p>
@@ -3776,7 +3776,7 @@
           <a:p>
             <a:fld id="{2425905D-C0C4-D040-B3F5-79CCA23FA4EB}" type="datetimeFigureOut">
               <a:rPr lang="en-US" smtClean="0"/>
-              <a:t>9/26/2023</a:t>
+              <a:t>9/27/2023</a:t>
             </a:fld>
             <a:endParaRPr lang="en-US"/>
           </a:p>
@@ -4065,7 +4065,7 @@
           <a:p>
             <a:fld id="{2425905D-C0C4-D040-B3F5-79CCA23FA4EB}" type="datetimeFigureOut">
               <a:rPr lang="en-US" smtClean="0"/>
-              <a:t>9/26/2023</a:t>
+              <a:t>9/27/2023</a:t>
             </a:fld>
             <a:endParaRPr lang="en-US"/>
           </a:p>
@@ -4308,7 +4308,7 @@
           <a:p>
             <a:fld id="{2425905D-C0C4-D040-B3F5-79CCA23FA4EB}" type="datetimeFigureOut">
               <a:rPr lang="en-US" smtClean="0"/>
-              <a:t>9/26/2023</a:t>
+              <a:t>9/27/2023</a:t>
             </a:fld>
             <a:endParaRPr lang="en-US"/>
           </a:p>
@@ -4755,8 +4755,13 @@
           <a:p>
             <a:r>
               <a:rPr lang="en-US" sz="6600" b="1" dirty="0"/>
-              <a:t>CSCI 4430 - Spring 22</a:t>
-            </a:r>
+              <a:t>CSCI </a:t>
+            </a:r>
+            <a:r>
+              <a:rPr lang="en-US" sz="6600" b="1"/>
+              <a:t>4430 – Fall 23</a:t>
+            </a:r>
+            <a:endParaRPr lang="en-US" sz="6600" b="1" dirty="0"/>
           </a:p>
         </p:txBody>
       </p:sp>
